--- a/Documentation/BetaPresentation.pptx
+++ b/Documentation/BetaPresentation.pptx
@@ -116,6 +116,11 @@
       </a:defRPr>
     </a:lvl9pPr>
   </p:defaultTextStyle>
+  <p:extLst>
+    <p:ext uri="{EFAFB233-063F-42B5-8137-9DF3F51BA10A}">
+      <p15:sldGuideLst xmlns:p15="http://schemas.microsoft.com/office/powerpoint/2012/main"/>
+    </p:ext>
+  </p:extLst>
 </p:presentation>
 </file>
 
@@ -6269,7 +6274,68 @@
           <a:bodyPr/>
           <a:lstStyle/>
           <a:p>
-            <a:endParaRPr lang="en-US"/>
+            <a:r>
+              <a:rPr lang="en-US" dirty="0"/>
+              <a:t>Learning Curves</a:t>
+            </a:r>
+          </a:p>
+          <a:p>
+            <a:pPr lvl="1"/>
+            <a:r>
+              <a:rPr lang="en-US" dirty="0"/>
+              <a:t>Frameworks</a:t>
+            </a:r>
+          </a:p>
+          <a:p>
+            <a:pPr lvl="2"/>
+            <a:r>
+              <a:rPr lang="en-US" dirty="0"/>
+              <a:t>Hibernate</a:t>
+            </a:r>
+          </a:p>
+          <a:p>
+            <a:pPr lvl="2"/>
+            <a:r>
+              <a:rPr lang="en-US" dirty="0" err="1"/>
+              <a:t>BootsFaces</a:t>
+            </a:r>
+            <a:endParaRPr lang="en-US" dirty="0"/>
+          </a:p>
+          <a:p>
+            <a:pPr lvl="1"/>
+            <a:r>
+              <a:rPr lang="en-US" dirty="0"/>
+              <a:t>AWS Free Tier</a:t>
+            </a:r>
+          </a:p>
+          <a:p>
+            <a:pPr lvl="2"/>
+            <a:r>
+              <a:rPr lang="en-US" dirty="0"/>
+              <a:t>RDS Database</a:t>
+            </a:r>
+          </a:p>
+          <a:p>
+            <a:pPr lvl="2"/>
+            <a:r>
+              <a:rPr lang="en-US" dirty="0"/>
+              <a:t>Elastic Beanstalk Environment</a:t>
+            </a:r>
+          </a:p>
+          <a:p>
+            <a:pPr lvl="1"/>
+            <a:r>
+              <a:rPr lang="en-US" dirty="0"/>
+              <a:t>APIs</a:t>
+            </a:r>
+          </a:p>
+          <a:p>
+            <a:pPr lvl="2"/>
+            <a:r>
+              <a:rPr lang="en-US" dirty="0" err="1"/>
+              <a:t>FullCalendar</a:t>
+            </a:r>
+            <a:endParaRPr lang="en-US" dirty="0"/>
           </a:p>
         </p:txBody>
       </p:sp>
@@ -6601,7 +6667,10 @@
           <a:bodyPr/>
           <a:lstStyle/>
           <a:p>
-            <a:endParaRPr lang="en-US"/>
+            <a:r>
+              <a:rPr lang="en-US" dirty="0"/>
+              <a:t>Deploy, on time, a fully functioning healthcare administrative assist program that meets all written specifications and is tested. This project will be formally approved before release.</a:t>
+            </a:r>
           </a:p>
         </p:txBody>
       </p:sp>
@@ -6665,10 +6734,10 @@
       </p:sp>
       <p:sp>
         <p:nvSpPr>
-          <p:cNvPr id="3" name="Content Placeholder 2">
+          <p:cNvPr id="7" name="Content Placeholder 6">
             <a:extLst>
               <a:ext uri="{FF2B5EF4-FFF2-40B4-BE49-F238E27FC236}">
-                <a16:creationId xmlns:a16="http://schemas.microsoft.com/office/drawing/2014/main" id="{E5895504-F5A3-496E-94C6-1D59AD546FBC}"/>
+                <a16:creationId xmlns:a16="http://schemas.microsoft.com/office/drawing/2014/main" id="{B674B693-5D08-4228-91E4-7932611BA6F2}"/>
               </a:ext>
             </a:extLst>
           </p:cNvPr>
@@ -6762,12 +6831,354 @@
             <p:ph idx="1"/>
           </p:nvPr>
         </p:nvSpPr>
-        <p:spPr/>
-        <p:txBody>
-          <a:bodyPr/>
-          <a:lstStyle/>
-          <a:p>
-            <a:endParaRPr lang="en-US"/>
+        <p:spPr>
+          <a:xfrm>
+            <a:off x="5436297" y="2205317"/>
+            <a:ext cx="4158640" cy="4195481"/>
+          </a:xfrm>
+        </p:spPr>
+        <p:txBody>
+          <a:bodyPr>
+            <a:normAutofit/>
+          </a:bodyPr>
+          <a:lstStyle/>
+          <a:p>
+            <a:pPr marL="0" indent="0" algn="ctr">
+              <a:buNone/>
+            </a:pPr>
+            <a:r>
+              <a:rPr lang="en-US" b="1" dirty="0"/>
+              <a:t>Non-Functional Specifications:</a:t>
+            </a:r>
+            <a:endParaRPr lang="en-US" dirty="0"/>
+          </a:p>
+          <a:p>
+            <a:pPr lvl="0"/>
+            <a:r>
+              <a:rPr lang="en-US" dirty="0"/>
+              <a:t>Clean UI</a:t>
+            </a:r>
+          </a:p>
+          <a:p>
+            <a:pPr lvl="0"/>
+            <a:r>
+              <a:rPr lang="en-US" dirty="0"/>
+              <a:t>Natural flow through website</a:t>
+            </a:r>
+          </a:p>
+          <a:p>
+            <a:pPr lvl="0"/>
+            <a:r>
+              <a:rPr lang="en-US" dirty="0"/>
+              <a:t>Organized database view</a:t>
+            </a:r>
+          </a:p>
+          <a:p>
+            <a:endParaRPr lang="en-US" dirty="0"/>
+          </a:p>
+        </p:txBody>
+      </p:sp>
+      <p:sp>
+        <p:nvSpPr>
+          <p:cNvPr id="4" name="Content Placeholder 2">
+            <a:extLst>
+              <a:ext uri="{FF2B5EF4-FFF2-40B4-BE49-F238E27FC236}">
+                <a16:creationId xmlns:a16="http://schemas.microsoft.com/office/drawing/2014/main" id="{C46B9805-104D-40C3-B636-E37C2BC39E0C}"/>
+              </a:ext>
+            </a:extLst>
+          </p:cNvPr>
+          <p:cNvSpPr txBox="1">
+            <a:spLocks/>
+          </p:cNvSpPr>
+          <p:nvPr/>
+        </p:nvSpPr>
+        <p:spPr>
+          <a:xfrm>
+            <a:off x="1255712" y="2205318"/>
+            <a:ext cx="3554283" cy="4195481"/>
+          </a:xfrm>
+          <a:prstGeom prst="rect">
+            <a:avLst/>
+          </a:prstGeom>
+        </p:spPr>
+        <p:txBody>
+          <a:bodyPr vert="horz" lIns="91440" tIns="45720" rIns="91440" bIns="45720" rtlCol="0">
+            <a:normAutofit fontScale="77500" lnSpcReduction="20000"/>
+          </a:bodyPr>
+          <a:lstStyle>
+            <a:lvl1pPr marL="342900" indent="-342900" algn="l" defTabSz="457200" rtl="0" eaLnBrk="1" latinLnBrk="0" hangingPunct="1">
+              <a:spcBef>
+                <a:spcPts val="1000"/>
+              </a:spcBef>
+              <a:spcAft>
+                <a:spcPts val="0"/>
+              </a:spcAft>
+              <a:buClr>
+                <a:schemeClr val="accent1"/>
+              </a:buClr>
+              <a:buSzPct val="80000"/>
+              <a:buFont typeface="Wingdings 3" charset="2"/>
+              <a:buChar char=""/>
+              <a:defRPr sz="2000" b="0" i="0" kern="1200">
+                <a:solidFill>
+                  <a:schemeClr val="tx1"/>
+                </a:solidFill>
+                <a:latin typeface="+mj-lt"/>
+                <a:ea typeface="+mj-ea"/>
+                <a:cs typeface="+mj-cs"/>
+              </a:defRPr>
+            </a:lvl1pPr>
+            <a:lvl2pPr marL="742950" indent="-285750" algn="l" defTabSz="457200" rtl="0" eaLnBrk="1" latinLnBrk="0" hangingPunct="1">
+              <a:spcBef>
+                <a:spcPts val="1000"/>
+              </a:spcBef>
+              <a:spcAft>
+                <a:spcPts val="0"/>
+              </a:spcAft>
+              <a:buClr>
+                <a:schemeClr val="accent1"/>
+              </a:buClr>
+              <a:buSzPct val="80000"/>
+              <a:buFont typeface="Wingdings 3" charset="2"/>
+              <a:buChar char=""/>
+              <a:defRPr sz="1800" b="0" i="0" kern="1200">
+                <a:solidFill>
+                  <a:schemeClr val="tx1"/>
+                </a:solidFill>
+                <a:latin typeface="+mj-lt"/>
+                <a:ea typeface="+mj-ea"/>
+                <a:cs typeface="+mj-cs"/>
+              </a:defRPr>
+            </a:lvl2pPr>
+            <a:lvl3pPr marL="1143000" indent="-228600" algn="l" defTabSz="457200" rtl="0" eaLnBrk="1" latinLnBrk="0" hangingPunct="1">
+              <a:spcBef>
+                <a:spcPts val="1000"/>
+              </a:spcBef>
+              <a:spcAft>
+                <a:spcPts val="0"/>
+              </a:spcAft>
+              <a:buClr>
+                <a:schemeClr val="accent1"/>
+              </a:buClr>
+              <a:buSzPct val="80000"/>
+              <a:buFont typeface="Wingdings 3" charset="2"/>
+              <a:buChar char=""/>
+              <a:defRPr sz="1600" b="0" i="0" kern="1200">
+                <a:solidFill>
+                  <a:schemeClr val="tx1"/>
+                </a:solidFill>
+                <a:latin typeface="+mj-lt"/>
+                <a:ea typeface="+mj-ea"/>
+                <a:cs typeface="+mj-cs"/>
+              </a:defRPr>
+            </a:lvl3pPr>
+            <a:lvl4pPr marL="1600200" indent="-228600" algn="l" defTabSz="457200" rtl="0" eaLnBrk="1" latinLnBrk="0" hangingPunct="1">
+              <a:spcBef>
+                <a:spcPts val="1000"/>
+              </a:spcBef>
+              <a:spcAft>
+                <a:spcPts val="0"/>
+              </a:spcAft>
+              <a:buClr>
+                <a:schemeClr val="accent1"/>
+              </a:buClr>
+              <a:buSzPct val="80000"/>
+              <a:buFont typeface="Wingdings 3" charset="2"/>
+              <a:buChar char=""/>
+              <a:defRPr sz="1400" b="0" i="0" kern="1200">
+                <a:solidFill>
+                  <a:schemeClr val="tx1"/>
+                </a:solidFill>
+                <a:latin typeface="+mj-lt"/>
+                <a:ea typeface="+mj-ea"/>
+                <a:cs typeface="+mj-cs"/>
+              </a:defRPr>
+            </a:lvl4pPr>
+            <a:lvl5pPr marL="2057400" indent="-228600" algn="l" defTabSz="457200" rtl="0" eaLnBrk="1" latinLnBrk="0" hangingPunct="1">
+              <a:spcBef>
+                <a:spcPts val="1000"/>
+              </a:spcBef>
+              <a:spcAft>
+                <a:spcPts val="0"/>
+              </a:spcAft>
+              <a:buClr>
+                <a:schemeClr val="accent1"/>
+              </a:buClr>
+              <a:buSzPct val="80000"/>
+              <a:buFont typeface="Wingdings 3" charset="2"/>
+              <a:buChar char=""/>
+              <a:defRPr sz="1400" b="0" i="0" kern="1200">
+                <a:solidFill>
+                  <a:schemeClr val="tx1"/>
+                </a:solidFill>
+                <a:latin typeface="+mj-lt"/>
+                <a:ea typeface="+mj-ea"/>
+                <a:cs typeface="+mj-cs"/>
+              </a:defRPr>
+            </a:lvl5pPr>
+            <a:lvl6pPr marL="2514600" indent="-228600" algn="l" defTabSz="457200" rtl="0" eaLnBrk="1" latinLnBrk="0" hangingPunct="1">
+              <a:spcBef>
+                <a:spcPts val="1000"/>
+              </a:spcBef>
+              <a:spcAft>
+                <a:spcPts val="0"/>
+              </a:spcAft>
+              <a:buClr>
+                <a:schemeClr val="accent1"/>
+              </a:buClr>
+              <a:buSzPct val="80000"/>
+              <a:buFont typeface="Wingdings 3" charset="2"/>
+              <a:buChar char=""/>
+              <a:defRPr sz="1400" b="0" i="0" kern="1200">
+                <a:solidFill>
+                  <a:schemeClr val="tx1"/>
+                </a:solidFill>
+                <a:latin typeface="+mj-lt"/>
+                <a:ea typeface="+mj-ea"/>
+                <a:cs typeface="+mj-cs"/>
+              </a:defRPr>
+            </a:lvl6pPr>
+            <a:lvl7pPr marL="2971800" indent="-228600" algn="l" defTabSz="457200" rtl="0" eaLnBrk="1" latinLnBrk="0" hangingPunct="1">
+              <a:spcBef>
+                <a:spcPts val="1000"/>
+              </a:spcBef>
+              <a:spcAft>
+                <a:spcPts val="0"/>
+              </a:spcAft>
+              <a:buClr>
+                <a:schemeClr val="accent1"/>
+              </a:buClr>
+              <a:buSzPct val="80000"/>
+              <a:buFont typeface="Wingdings 3" charset="2"/>
+              <a:buChar char=""/>
+              <a:defRPr sz="1400" b="0" i="0" kern="1200">
+                <a:solidFill>
+                  <a:schemeClr val="tx1"/>
+                </a:solidFill>
+                <a:latin typeface="+mj-lt"/>
+                <a:ea typeface="+mj-ea"/>
+                <a:cs typeface="+mj-cs"/>
+              </a:defRPr>
+            </a:lvl7pPr>
+            <a:lvl8pPr marL="3429000" indent="-228600" algn="l" defTabSz="457200" rtl="0" eaLnBrk="1" latinLnBrk="0" hangingPunct="1">
+              <a:spcBef>
+                <a:spcPts val="1000"/>
+              </a:spcBef>
+              <a:spcAft>
+                <a:spcPts val="0"/>
+              </a:spcAft>
+              <a:buClr>
+                <a:schemeClr val="accent1"/>
+              </a:buClr>
+              <a:buSzPct val="80000"/>
+              <a:buFont typeface="Wingdings 3" charset="2"/>
+              <a:buChar char=""/>
+              <a:defRPr sz="1400" b="0" i="0" kern="1200">
+                <a:solidFill>
+                  <a:schemeClr val="tx1"/>
+                </a:solidFill>
+                <a:latin typeface="+mj-lt"/>
+                <a:ea typeface="+mj-ea"/>
+                <a:cs typeface="+mj-cs"/>
+              </a:defRPr>
+            </a:lvl8pPr>
+            <a:lvl9pPr marL="3886200" indent="-228600" algn="l" defTabSz="457200" rtl="0" eaLnBrk="1" latinLnBrk="0" hangingPunct="1">
+              <a:spcBef>
+                <a:spcPts val="1000"/>
+              </a:spcBef>
+              <a:spcAft>
+                <a:spcPts val="0"/>
+              </a:spcAft>
+              <a:buClr>
+                <a:schemeClr val="accent1"/>
+              </a:buClr>
+              <a:buSzPct val="80000"/>
+              <a:buFont typeface="Wingdings 3" charset="2"/>
+              <a:buChar char=""/>
+              <a:defRPr sz="1400" b="0" i="0" kern="1200">
+                <a:solidFill>
+                  <a:schemeClr val="tx1"/>
+                </a:solidFill>
+                <a:latin typeface="+mj-lt"/>
+                <a:ea typeface="+mj-ea"/>
+                <a:cs typeface="+mj-cs"/>
+              </a:defRPr>
+            </a:lvl9pPr>
+          </a:lstStyle>
+          <a:p>
+            <a:pPr marL="0" indent="0" algn="ctr">
+              <a:buNone/>
+            </a:pPr>
+            <a:r>
+              <a:rPr lang="en-US" b="1" dirty="0"/>
+              <a:t>Functional Specifications:</a:t>
+            </a:r>
+            <a:endParaRPr lang="en-US" dirty="0"/>
+          </a:p>
+          <a:p>
+            <a:r>
+              <a:rPr lang="en-US" dirty="0"/>
+              <a:t>Web application</a:t>
+            </a:r>
+          </a:p>
+          <a:p>
+            <a:r>
+              <a:rPr lang="en-US" dirty="0"/>
+              <a:t>Allow for data persistency</a:t>
+            </a:r>
+          </a:p>
+          <a:p>
+            <a:r>
+              <a:rPr lang="en-US" dirty="0"/>
+              <a:t>Adding patients and doctors</a:t>
+            </a:r>
+          </a:p>
+          <a:p>
+            <a:r>
+              <a:rPr lang="en-US" dirty="0"/>
+              <a:t>View patient and doctor info</a:t>
+            </a:r>
+          </a:p>
+          <a:p>
+            <a:r>
+              <a:rPr lang="en-US" dirty="0"/>
+              <a:t>View patient medical history</a:t>
+            </a:r>
+          </a:p>
+          <a:p>
+            <a:r>
+              <a:rPr lang="en-US" dirty="0"/>
+              <a:t>Provide calendar with appointment times</a:t>
+            </a:r>
+          </a:p>
+          <a:p>
+            <a:r>
+              <a:rPr lang="en-US" dirty="0"/>
+              <a:t>Create/Cancel appointments</a:t>
+            </a:r>
+          </a:p>
+          <a:p>
+            <a:r>
+              <a:rPr lang="en-US" dirty="0"/>
+              <a:t>Implement </a:t>
+            </a:r>
+            <a:r>
+              <a:rPr lang="en-US" dirty="0" err="1"/>
+              <a:t>BootsFaces</a:t>
+            </a:r>
+            <a:r>
+              <a:rPr lang="en-US" dirty="0"/>
+              <a:t> Framework</a:t>
+            </a:r>
+          </a:p>
+          <a:p>
+            <a:r>
+              <a:rPr lang="en-US" dirty="0"/>
+              <a:t>Implement Hibernate Framework</a:t>
+            </a:r>
+          </a:p>
+          <a:p>
+            <a:endParaRPr lang="en-US" dirty="0"/>
           </a:p>
         </p:txBody>
       </p:sp>
@@ -7036,6 +7447,31 @@
 <file path=ppt/slides/slide8.xml><?xml version="1.0" encoding="utf-8"?>
 <p:sld xmlns:a="http://schemas.openxmlformats.org/drawingml/2006/main" xmlns:r="http://schemas.openxmlformats.org/officeDocument/2006/relationships" xmlns:p="http://schemas.openxmlformats.org/presentationml/2006/main">
   <p:cSld>
+    <p:bg>
+      <p:bgPr>
+        <a:blipFill rotWithShape="1">
+          <a:blip r:embed="rId2">
+            <a:duotone>
+              <a:schemeClr val="bg2">
+                <a:shade val="62000"/>
+                <a:hueMod val="108000"/>
+                <a:satMod val="164000"/>
+                <a:lumMod val="69000"/>
+              </a:schemeClr>
+              <a:schemeClr val="bg2">
+                <a:tint val="96000"/>
+                <a:hueMod val="90000"/>
+                <a:satMod val="130000"/>
+                <a:lumMod val="134000"/>
+              </a:schemeClr>
+            </a:duotone>
+            <a:extLst/>
+          </a:blip>
+          <a:stretch/>
+        </a:blipFill>
+        <a:effectLst/>
+      </p:bgPr>
+    </p:bg>
     <p:spTree>
       <p:nvGrpSpPr>
         <p:cNvPr id="1" name=""/>
@@ -7066,51 +7502,95 @@
             <p:ph type="title"/>
           </p:nvPr>
         </p:nvSpPr>
-        <p:spPr/>
-        <p:txBody>
-          <a:bodyPr/>
-          <a:lstStyle/>
-          <a:p>
-            <a:r>
-              <a:rPr lang="en-US" dirty="0"/>
-              <a:t>Project </a:t>
-            </a:r>
-            <a:r>
-              <a:rPr lang="en-US" dirty="0" err="1"/>
-              <a:t>Screenflow</a:t>
-            </a:r>
-            <a:r>
-              <a:rPr lang="en-US" dirty="0"/>
-              <a:t> Diagram</a:t>
-            </a:r>
-          </a:p>
-        </p:txBody>
-      </p:sp>
-      <p:sp>
-        <p:nvSpPr>
-          <p:cNvPr id="3" name="Content Placeholder 2">
+        <p:spPr>
+          <a:xfrm>
+            <a:off x="7790541" y="1450259"/>
+            <a:ext cx="3753599" cy="1442153"/>
+          </a:xfrm>
+        </p:spPr>
+        <p:txBody>
+          <a:bodyPr>
+            <a:normAutofit/>
+          </a:bodyPr>
+          <a:lstStyle/>
+          <a:p>
+            <a:pPr>
+              <a:lnSpc>
+                <a:spcPct val="90000"/>
+              </a:lnSpc>
+            </a:pPr>
+            <a:r>
+              <a:rPr lang="en-US" sz="3100"/>
+              <a:t>Project Screenflow Diagram</a:t>
+            </a:r>
+          </a:p>
+        </p:txBody>
+      </p:sp>
+      <p:pic>
+        <p:nvPicPr>
+          <p:cNvPr id="8" name="Content Placeholder 4">
             <a:extLst>
               <a:ext uri="{FF2B5EF4-FFF2-40B4-BE49-F238E27FC236}">
-                <a16:creationId xmlns:a16="http://schemas.microsoft.com/office/drawing/2014/main" id="{522A63BF-629C-449F-BE2A-EF544FB345EB}"/>
+                <a16:creationId xmlns:a16="http://schemas.microsoft.com/office/drawing/2014/main" id="{F2271DD2-697C-49D0-8228-28C927B2EDFE}"/>
               </a:ext>
             </a:extLst>
           </p:cNvPr>
-          <p:cNvSpPr>
-            <a:spLocks noGrp="1"/>
-          </p:cNvSpPr>
+          <p:cNvPicPr>
+            <a:picLocks noChangeAspect="1"/>
+          </p:cNvPicPr>
+          <p:nvPr/>
+        </p:nvPicPr>
+        <p:blipFill rotWithShape="1">
+          <a:blip r:embed="rId3"/>
+          <a:srcRect l="1525" r="24972"/>
+          <a:stretch/>
+        </p:blipFill>
+        <p:spPr>
+          <a:xfrm>
+            <a:off x="646532" y="1447799"/>
+            <a:ext cx="6493910" cy="4572001"/>
+          </a:xfrm>
+          <a:prstGeom prst="rect">
+            <a:avLst/>
+          </a:prstGeom>
+          <a:effectLst>
+            <a:outerShdw blurRad="50800" dist="38100" dir="5400000" algn="t" rotWithShape="0">
+              <a:prstClr val="black">
+                <a:alpha val="43000"/>
+              </a:prstClr>
+            </a:outerShdw>
+          </a:effectLst>
+        </p:spPr>
+      </p:pic>
+      <p:pic>
+        <p:nvPicPr>
+          <p:cNvPr id="7" name="Content Placeholder 6" descr="A screenshot of a cell phone&#10;&#10;Description generated with very high confidence">
+            <a:extLst>
+              <a:ext uri="{FF2B5EF4-FFF2-40B4-BE49-F238E27FC236}">
+                <a16:creationId xmlns:a16="http://schemas.microsoft.com/office/drawing/2014/main" id="{165269BE-AFFF-4A23-B192-8450014E3F83}"/>
+              </a:ext>
+            </a:extLst>
+          </p:cNvPr>
+          <p:cNvPicPr>
+            <a:picLocks noGrp="1" noChangeAspect="1"/>
+          </p:cNvPicPr>
           <p:nvPr>
             <p:ph idx="1"/>
           </p:nvPr>
-        </p:nvSpPr>
-        <p:spPr/>
-        <p:txBody>
-          <a:bodyPr/>
-          <a:lstStyle/>
-          <a:p>
-            <a:endParaRPr lang="en-US"/>
-          </a:p>
-        </p:txBody>
-      </p:sp>
+        </p:nvPicPr>
+        <p:blipFill>
+          <a:blip r:embed="rId4"/>
+          <a:stretch>
+            <a:fillRect/>
+          </a:stretch>
+        </p:blipFill>
+        <p:spPr>
+          <a:xfrm>
+            <a:off x="7790541" y="2492415"/>
+            <a:ext cx="2350986" cy="4124516"/>
+          </a:xfrm>
+        </p:spPr>
+      </p:pic>
     </p:spTree>
     <p:extLst>
       <p:ext uri="{BB962C8B-B14F-4D97-AF65-F5344CB8AC3E}">
@@ -7190,7 +7670,16 @@
           <a:bodyPr/>
           <a:lstStyle/>
           <a:p>
-            <a:endParaRPr lang="en-US"/>
+            <a:r>
+              <a:rPr lang="en-US" dirty="0"/>
+              <a:t>Frameworks</a:t>
+            </a:r>
+          </a:p>
+          <a:p>
+            <a:r>
+              <a:rPr lang="en-US" dirty="0"/>
+              <a:t>UI components </a:t>
+            </a:r>
           </a:p>
         </p:txBody>
       </p:sp>

--- a/Documentation/BetaPresentation.pptx
+++ b/Documentation/BetaPresentation.pptx
@@ -308,7 +308,7 @@
             <a:fld id="{1E700B27-DE4C-4B9E-BB11-B9027034A00F}" type="datetimeFigureOut">
               <a:rPr lang="en-US" smtClean="0"/>
               <a:pPr/>
-              <a:t>4/4/2019</a:t>
+              <a:t>4/5/2019</a:t>
             </a:fld>
             <a:endParaRPr lang="en-US" dirty="0"/>
           </a:p>
@@ -589,7 +589,7 @@
           <a:p>
             <a:fld id="{C40F4739-9812-4A9F-890D-2AD6BA5F6EE8}" type="datetimeFigureOut">
               <a:rPr lang="en-US" smtClean="0"/>
-              <a:t>4/4/2019</a:t>
+              <a:t>4/5/2019</a:t>
             </a:fld>
             <a:endParaRPr lang="en-US" dirty="0"/>
           </a:p>
@@ -789,7 +789,7 @@
           <a:p>
             <a:fld id="{18845AC5-A3F8-44AA-BA8F-596CDCC976D3}" type="datetimeFigureOut">
               <a:rPr lang="en-US" smtClean="0"/>
-              <a:t>4/4/2019</a:t>
+              <a:t>4/5/2019</a:t>
             </a:fld>
             <a:endParaRPr lang="en-US" dirty="0"/>
           </a:p>
@@ -1063,7 +1063,7 @@
           <a:p>
             <a:fld id="{7E0D914D-B099-4142-A885-11F276715148}" type="datetimeFigureOut">
               <a:rPr lang="en-US" smtClean="0"/>
-              <a:t>4/4/2019</a:t>
+              <a:t>4/5/2019</a:t>
             </a:fld>
             <a:endParaRPr lang="en-US" dirty="0"/>
           </a:p>
@@ -1402,7 +1402,7 @@
           <a:p>
             <a:fld id="{174D01B4-0AA5-45E6-B2E6-5FA4078AEBCF}" type="datetimeFigureOut">
               <a:rPr lang="en-US" smtClean="0"/>
-              <a:t>4/4/2019</a:t>
+              <a:t>4/5/2019</a:t>
             </a:fld>
             <a:endParaRPr lang="en-US" dirty="0"/>
           </a:p>
@@ -2018,7 +2018,7 @@
           <a:p>
             <a:fld id="{4147335C-0450-40D7-8612-B3203BED4F28}" type="datetimeFigureOut">
               <a:rPr lang="en-US" smtClean="0"/>
-              <a:t>4/4/2019</a:t>
+              <a:t>4/5/2019</a:t>
             </a:fld>
             <a:endParaRPr lang="en-US" dirty="0"/>
           </a:p>
@@ -2871,7 +2871,7 @@
           <a:p>
             <a:fld id="{D246A105-2A1C-4284-B4EA-07CF89B1A393}" type="datetimeFigureOut">
               <a:rPr lang="en-US" smtClean="0"/>
-              <a:t>4/4/2019</a:t>
+              <a:t>4/5/2019</a:t>
             </a:fld>
             <a:endParaRPr lang="en-US" dirty="0"/>
           </a:p>
@@ -3047,7 +3047,7 @@
           <a:p>
             <a:fld id="{80DBE609-F3F2-45E6-BD6A-E03A8C86C1AE}" type="datetimeFigureOut">
               <a:rPr lang="en-US" smtClean="0"/>
-              <a:t>4/4/2019</a:t>
+              <a:t>4/5/2019</a:t>
             </a:fld>
             <a:endParaRPr lang="en-US" dirty="0"/>
           </a:p>
@@ -3233,7 +3233,7 @@
           <a:p>
             <a:fld id="{7A24AD68-089C-4467-A8F3-EA2BBCA6B44E}" type="datetimeFigureOut">
               <a:rPr lang="en-US" smtClean="0"/>
-              <a:t>4/4/2019</a:t>
+              <a:t>4/5/2019</a:t>
             </a:fld>
             <a:endParaRPr lang="en-US" dirty="0"/>
           </a:p>
@@ -3409,7 +3409,7 @@
           <a:p>
             <a:fld id="{75C51FCE-E4BB-4680-8E50-3C0E348D2609}" type="datetimeFigureOut">
               <a:rPr lang="en-US" smtClean="0"/>
-              <a:t>4/4/2019</a:t>
+              <a:t>4/5/2019</a:t>
             </a:fld>
             <a:endParaRPr lang="en-US" dirty="0"/>
           </a:p>
@@ -3659,7 +3659,7 @@
           <a:p>
             <a:fld id="{8AAA073D-A903-47F8-8D16-77642FB0DF1F}" type="datetimeFigureOut">
               <a:rPr lang="en-US" smtClean="0"/>
-              <a:t>4/4/2019</a:t>
+              <a:t>4/5/2019</a:t>
             </a:fld>
             <a:endParaRPr lang="en-US" dirty="0"/>
           </a:p>
@@ -3957,7 +3957,7 @@
           <a:p>
             <a:fld id="{AB91FA40-626B-4CA1-85D0-7A9016E395BA}" type="datetimeFigureOut">
               <a:rPr lang="en-US" smtClean="0"/>
-              <a:t>4/4/2019</a:t>
+              <a:t>4/5/2019</a:t>
             </a:fld>
             <a:endParaRPr lang="en-US" dirty="0"/>
           </a:p>
@@ -4401,7 +4401,7 @@
           <a:p>
             <a:fld id="{C3F425EA-B9DC-48A7-991E-9A82573B1B21}" type="datetimeFigureOut">
               <a:rPr lang="en-US" smtClean="0"/>
-              <a:t>4/4/2019</a:t>
+              <a:t>4/5/2019</a:t>
             </a:fld>
             <a:endParaRPr lang="en-US" dirty="0"/>
           </a:p>
@@ -4525,7 +4525,7 @@
           <a:p>
             <a:fld id="{66CB97F8-6CEB-469B-AFCC-889F2A2B1D5A}" type="datetimeFigureOut">
               <a:rPr lang="en-US" smtClean="0"/>
-              <a:t>4/4/2019</a:t>
+              <a:t>4/5/2019</a:t>
             </a:fld>
             <a:endParaRPr lang="en-US" dirty="0"/>
           </a:p>
@@ -4626,7 +4626,7 @@
           <a:p>
             <a:fld id="{8FA9179F-009E-4FA5-B091-7EBB82A185BD}" type="datetimeFigureOut">
               <a:rPr lang="en-US" smtClean="0"/>
-              <a:t>4/4/2019</a:t>
+              <a:t>4/5/2019</a:t>
             </a:fld>
             <a:endParaRPr lang="en-US" dirty="0"/>
           </a:p>
@@ -4911,7 +4911,7 @@
           <a:p>
             <a:fld id="{8E665CEB-0076-4E37-B880-BCEA9784DE0A}" type="datetimeFigureOut">
               <a:rPr lang="en-US" smtClean="0"/>
-              <a:t>4/4/2019</a:t>
+              <a:t>4/5/2019</a:t>
             </a:fld>
             <a:endParaRPr lang="en-US" dirty="0"/>
           </a:p>
@@ -5192,7 +5192,7 @@
           <a:p>
             <a:fld id="{A6149E5E-3896-4118-99A7-7B85668F1C5E}" type="datetimeFigureOut">
               <a:rPr lang="en-US" smtClean="0"/>
-              <a:t>4/4/2019</a:t>
+              <a:t>4/5/2019</a:t>
             </a:fld>
             <a:endParaRPr lang="en-US" dirty="0"/>
           </a:p>
@@ -5627,7 +5627,7 @@
           <a:p>
             <a:fld id="{7E0D914D-B099-4142-A885-11F276715148}" type="datetimeFigureOut">
               <a:rPr lang="en-US" smtClean="0"/>
-              <a:t>4/4/2019</a:t>
+              <a:t>4/5/2019</a:t>
             </a:fld>
             <a:endParaRPr lang="en-US" dirty="0"/>
           </a:p>
@@ -6732,31 +6732,35 @@
           </a:p>
         </p:txBody>
       </p:sp>
-      <p:sp>
-        <p:nvSpPr>
-          <p:cNvPr id="7" name="Content Placeholder 6">
+      <p:pic>
+        <p:nvPicPr>
+          <p:cNvPr id="6" name="Content Placeholder 5">
             <a:extLst>
               <a:ext uri="{FF2B5EF4-FFF2-40B4-BE49-F238E27FC236}">
-                <a16:creationId xmlns:a16="http://schemas.microsoft.com/office/drawing/2014/main" id="{B674B693-5D08-4228-91E4-7932611BA6F2}"/>
+                <a16:creationId xmlns:a16="http://schemas.microsoft.com/office/drawing/2014/main" id="{C0B990F3-4598-486D-AEEF-4CF3F5A15154}"/>
               </a:ext>
             </a:extLst>
           </p:cNvPr>
-          <p:cNvSpPr>
-            <a:spLocks noGrp="1"/>
-          </p:cNvSpPr>
+          <p:cNvPicPr>
+            <a:picLocks noGrp="1" noChangeAspect="1"/>
+          </p:cNvPicPr>
           <p:nvPr>
             <p:ph idx="1"/>
           </p:nvPr>
-        </p:nvSpPr>
-        <p:spPr/>
-        <p:txBody>
-          <a:bodyPr/>
-          <a:lstStyle/>
-          <a:p>
-            <a:endParaRPr lang="en-US"/>
-          </a:p>
-        </p:txBody>
-      </p:sp>
+        </p:nvPicPr>
+        <p:blipFill>
+          <a:blip r:embed="rId2"/>
+          <a:stretch>
+            <a:fillRect/>
+          </a:stretch>
+        </p:blipFill>
+        <p:spPr>
+          <a:xfrm>
+            <a:off x="1103313" y="2165460"/>
+            <a:ext cx="8947150" cy="3970118"/>
+          </a:xfrm>
+        </p:spPr>
+      </p:pic>
     </p:spTree>
     <p:extLst>
       <p:ext uri="{BB962C8B-B14F-4D97-AF65-F5344CB8AC3E}">

--- a/Documentation/BetaPresentation.pptx
+++ b/Documentation/BetaPresentation.pptx
@@ -7244,31 +7244,35 @@
           </a:p>
         </p:txBody>
       </p:sp>
-      <p:sp>
-        <p:nvSpPr>
-          <p:cNvPr id="3" name="Content Placeholder 2">
+      <p:pic>
+        <p:nvPicPr>
+          <p:cNvPr id="5" name="Content Placeholder 4">
             <a:extLst>
               <a:ext uri="{FF2B5EF4-FFF2-40B4-BE49-F238E27FC236}">
-                <a16:creationId xmlns:a16="http://schemas.microsoft.com/office/drawing/2014/main" id="{A9692CB0-1A2D-4C09-A05A-69B731AE08F9}"/>
+                <a16:creationId xmlns:a16="http://schemas.microsoft.com/office/drawing/2014/main" id="{EBBDF209-A82D-41FD-9086-31A1B8D577BC}"/>
               </a:ext>
             </a:extLst>
           </p:cNvPr>
-          <p:cNvSpPr>
-            <a:spLocks noGrp="1"/>
-          </p:cNvSpPr>
+          <p:cNvPicPr>
+            <a:picLocks noGrp="1" noChangeAspect="1"/>
+          </p:cNvPicPr>
           <p:nvPr>
             <p:ph idx="1"/>
           </p:nvPr>
-        </p:nvSpPr>
-        <p:spPr/>
-        <p:txBody>
-          <a:bodyPr/>
-          <a:lstStyle/>
-          <a:p>
-            <a:endParaRPr lang="en-US"/>
-          </a:p>
-        </p:txBody>
-      </p:sp>
+        </p:nvPicPr>
+        <p:blipFill>
+          <a:blip r:embed="rId2"/>
+          <a:stretch>
+            <a:fillRect/>
+          </a:stretch>
+        </p:blipFill>
+        <p:spPr>
+          <a:xfrm>
+            <a:off x="2327469" y="1429123"/>
+            <a:ext cx="7723365" cy="4986339"/>
+          </a:xfrm>
+        </p:spPr>
+      </p:pic>
     </p:spTree>
     <p:extLst>
       <p:ext uri="{BB962C8B-B14F-4D97-AF65-F5344CB8AC3E}">

--- a/Documentation/BetaPresentation.pptx
+++ b/Documentation/BetaPresentation.pptx
@@ -308,7 +308,7 @@
             <a:fld id="{1E700B27-DE4C-4B9E-BB11-B9027034A00F}" type="datetimeFigureOut">
               <a:rPr lang="en-US" smtClean="0"/>
               <a:pPr/>
-              <a:t>4/5/2019</a:t>
+              <a:t>4/7/2019</a:t>
             </a:fld>
             <a:endParaRPr lang="en-US" dirty="0"/>
           </a:p>
@@ -589,7 +589,7 @@
           <a:p>
             <a:fld id="{C40F4739-9812-4A9F-890D-2AD6BA5F6EE8}" type="datetimeFigureOut">
               <a:rPr lang="en-US" smtClean="0"/>
-              <a:t>4/5/2019</a:t>
+              <a:t>4/7/2019</a:t>
             </a:fld>
             <a:endParaRPr lang="en-US" dirty="0"/>
           </a:p>
@@ -789,7 +789,7 @@
           <a:p>
             <a:fld id="{18845AC5-A3F8-44AA-BA8F-596CDCC976D3}" type="datetimeFigureOut">
               <a:rPr lang="en-US" smtClean="0"/>
-              <a:t>4/5/2019</a:t>
+              <a:t>4/7/2019</a:t>
             </a:fld>
             <a:endParaRPr lang="en-US" dirty="0"/>
           </a:p>
@@ -1063,7 +1063,7 @@
           <a:p>
             <a:fld id="{7E0D914D-B099-4142-A885-11F276715148}" type="datetimeFigureOut">
               <a:rPr lang="en-US" smtClean="0"/>
-              <a:t>4/5/2019</a:t>
+              <a:t>4/7/2019</a:t>
             </a:fld>
             <a:endParaRPr lang="en-US" dirty="0"/>
           </a:p>
@@ -1402,7 +1402,7 @@
           <a:p>
             <a:fld id="{174D01B4-0AA5-45E6-B2E6-5FA4078AEBCF}" type="datetimeFigureOut">
               <a:rPr lang="en-US" smtClean="0"/>
-              <a:t>4/5/2019</a:t>
+              <a:t>4/7/2019</a:t>
             </a:fld>
             <a:endParaRPr lang="en-US" dirty="0"/>
           </a:p>
@@ -2018,7 +2018,7 @@
           <a:p>
             <a:fld id="{4147335C-0450-40D7-8612-B3203BED4F28}" type="datetimeFigureOut">
               <a:rPr lang="en-US" smtClean="0"/>
-              <a:t>4/5/2019</a:t>
+              <a:t>4/7/2019</a:t>
             </a:fld>
             <a:endParaRPr lang="en-US" dirty="0"/>
           </a:p>
@@ -2871,7 +2871,7 @@
           <a:p>
             <a:fld id="{D246A105-2A1C-4284-B4EA-07CF89B1A393}" type="datetimeFigureOut">
               <a:rPr lang="en-US" smtClean="0"/>
-              <a:t>4/5/2019</a:t>
+              <a:t>4/7/2019</a:t>
             </a:fld>
             <a:endParaRPr lang="en-US" dirty="0"/>
           </a:p>
@@ -3047,7 +3047,7 @@
           <a:p>
             <a:fld id="{80DBE609-F3F2-45E6-BD6A-E03A8C86C1AE}" type="datetimeFigureOut">
               <a:rPr lang="en-US" smtClean="0"/>
-              <a:t>4/5/2019</a:t>
+              <a:t>4/7/2019</a:t>
             </a:fld>
             <a:endParaRPr lang="en-US" dirty="0"/>
           </a:p>
@@ -3233,7 +3233,7 @@
           <a:p>
             <a:fld id="{7A24AD68-089C-4467-A8F3-EA2BBCA6B44E}" type="datetimeFigureOut">
               <a:rPr lang="en-US" smtClean="0"/>
-              <a:t>4/5/2019</a:t>
+              <a:t>4/7/2019</a:t>
             </a:fld>
             <a:endParaRPr lang="en-US" dirty="0"/>
           </a:p>
@@ -3409,7 +3409,7 @@
           <a:p>
             <a:fld id="{75C51FCE-E4BB-4680-8E50-3C0E348D2609}" type="datetimeFigureOut">
               <a:rPr lang="en-US" smtClean="0"/>
-              <a:t>4/5/2019</a:t>
+              <a:t>4/7/2019</a:t>
             </a:fld>
             <a:endParaRPr lang="en-US" dirty="0"/>
           </a:p>
@@ -3659,7 +3659,7 @@
           <a:p>
             <a:fld id="{8AAA073D-A903-47F8-8D16-77642FB0DF1F}" type="datetimeFigureOut">
               <a:rPr lang="en-US" smtClean="0"/>
-              <a:t>4/5/2019</a:t>
+              <a:t>4/7/2019</a:t>
             </a:fld>
             <a:endParaRPr lang="en-US" dirty="0"/>
           </a:p>
@@ -3957,7 +3957,7 @@
           <a:p>
             <a:fld id="{AB91FA40-626B-4CA1-85D0-7A9016E395BA}" type="datetimeFigureOut">
               <a:rPr lang="en-US" smtClean="0"/>
-              <a:t>4/5/2019</a:t>
+              <a:t>4/7/2019</a:t>
             </a:fld>
             <a:endParaRPr lang="en-US" dirty="0"/>
           </a:p>
@@ -4401,7 +4401,7 @@
           <a:p>
             <a:fld id="{C3F425EA-B9DC-48A7-991E-9A82573B1B21}" type="datetimeFigureOut">
               <a:rPr lang="en-US" smtClean="0"/>
-              <a:t>4/5/2019</a:t>
+              <a:t>4/7/2019</a:t>
             </a:fld>
             <a:endParaRPr lang="en-US" dirty="0"/>
           </a:p>
@@ -4525,7 +4525,7 @@
           <a:p>
             <a:fld id="{66CB97F8-6CEB-469B-AFCC-889F2A2B1D5A}" type="datetimeFigureOut">
               <a:rPr lang="en-US" smtClean="0"/>
-              <a:t>4/5/2019</a:t>
+              <a:t>4/7/2019</a:t>
             </a:fld>
             <a:endParaRPr lang="en-US" dirty="0"/>
           </a:p>
@@ -4626,7 +4626,7 @@
           <a:p>
             <a:fld id="{8FA9179F-009E-4FA5-B091-7EBB82A185BD}" type="datetimeFigureOut">
               <a:rPr lang="en-US" smtClean="0"/>
-              <a:t>4/5/2019</a:t>
+              <a:t>4/7/2019</a:t>
             </a:fld>
             <a:endParaRPr lang="en-US" dirty="0"/>
           </a:p>
@@ -4911,7 +4911,7 @@
           <a:p>
             <a:fld id="{8E665CEB-0076-4E37-B880-BCEA9784DE0A}" type="datetimeFigureOut">
               <a:rPr lang="en-US" smtClean="0"/>
-              <a:t>4/5/2019</a:t>
+              <a:t>4/7/2019</a:t>
             </a:fld>
             <a:endParaRPr lang="en-US" dirty="0"/>
           </a:p>
@@ -5192,7 +5192,7 @@
           <a:p>
             <a:fld id="{A6149E5E-3896-4118-99A7-7B85668F1C5E}" type="datetimeFigureOut">
               <a:rPr lang="en-US" smtClean="0"/>
-              <a:t>4/5/2019</a:t>
+              <a:t>4/7/2019</a:t>
             </a:fld>
             <a:endParaRPr lang="en-US" dirty="0"/>
           </a:p>
@@ -5627,7 +5627,7 @@
           <a:p>
             <a:fld id="{7E0D914D-B099-4142-A885-11F276715148}" type="datetimeFigureOut">
               <a:rPr lang="en-US" smtClean="0"/>
-              <a:t>4/5/2019</a:t>
+              <a:t>4/7/2019</a:t>
             </a:fld>
             <a:endParaRPr lang="en-US" dirty="0"/>
           </a:p>
@@ -7331,31 +7331,35 @@
           </a:p>
         </p:txBody>
       </p:sp>
-      <p:sp>
-        <p:nvSpPr>
-          <p:cNvPr id="3" name="Content Placeholder 2">
+      <p:pic>
+        <p:nvPicPr>
+          <p:cNvPr id="8" name="Content Placeholder 7">
             <a:extLst>
               <a:ext uri="{FF2B5EF4-FFF2-40B4-BE49-F238E27FC236}">
-                <a16:creationId xmlns:a16="http://schemas.microsoft.com/office/drawing/2014/main" id="{33547EEB-02A9-48C8-8CEB-CBCBF58A0A9B}"/>
+                <a16:creationId xmlns:a16="http://schemas.microsoft.com/office/drawing/2014/main" id="{F6689C03-3FF6-4EFF-9624-B6C84919FD4D}"/>
               </a:ext>
             </a:extLst>
           </p:cNvPr>
-          <p:cNvSpPr>
-            <a:spLocks noGrp="1"/>
-          </p:cNvSpPr>
+          <p:cNvPicPr>
+            <a:picLocks noGrp="1" noChangeAspect="1"/>
+          </p:cNvPicPr>
           <p:nvPr>
             <p:ph idx="1"/>
           </p:nvPr>
-        </p:nvSpPr>
-        <p:spPr/>
-        <p:txBody>
-          <a:bodyPr/>
-          <a:lstStyle/>
-          <a:p>
-            <a:endParaRPr lang="en-US"/>
-          </a:p>
-        </p:txBody>
-      </p:sp>
+        </p:nvPicPr>
+        <p:blipFill>
+          <a:blip r:embed="rId2"/>
+          <a:stretch>
+            <a:fillRect/>
+          </a:stretch>
+        </p:blipFill>
+        <p:spPr>
+          <a:xfrm>
+            <a:off x="1103312" y="1447060"/>
+            <a:ext cx="10255273" cy="4795254"/>
+          </a:xfrm>
+        </p:spPr>
+      </p:pic>
     </p:spTree>
     <p:extLst>
       <p:ext uri="{BB962C8B-B14F-4D97-AF65-F5344CB8AC3E}">

--- a/Documentation/BetaPresentation.pptx
+++ b/Documentation/BetaPresentation.pptx
@@ -308,7 +308,7 @@
             <a:fld id="{1E700B27-DE4C-4B9E-BB11-B9027034A00F}" type="datetimeFigureOut">
               <a:rPr lang="en-US" smtClean="0"/>
               <a:pPr/>
-              <a:t>4/7/2019</a:t>
+              <a:t>4/8/2019</a:t>
             </a:fld>
             <a:endParaRPr lang="en-US" dirty="0"/>
           </a:p>
@@ -589,7 +589,7 @@
           <a:p>
             <a:fld id="{C40F4739-9812-4A9F-890D-2AD6BA5F6EE8}" type="datetimeFigureOut">
               <a:rPr lang="en-US" smtClean="0"/>
-              <a:t>4/7/2019</a:t>
+              <a:t>4/8/2019</a:t>
             </a:fld>
             <a:endParaRPr lang="en-US" dirty="0"/>
           </a:p>
@@ -789,7 +789,7 @@
           <a:p>
             <a:fld id="{18845AC5-A3F8-44AA-BA8F-596CDCC976D3}" type="datetimeFigureOut">
               <a:rPr lang="en-US" smtClean="0"/>
-              <a:t>4/7/2019</a:t>
+              <a:t>4/8/2019</a:t>
             </a:fld>
             <a:endParaRPr lang="en-US" dirty="0"/>
           </a:p>
@@ -1063,7 +1063,7 @@
           <a:p>
             <a:fld id="{7E0D914D-B099-4142-A885-11F276715148}" type="datetimeFigureOut">
               <a:rPr lang="en-US" smtClean="0"/>
-              <a:t>4/7/2019</a:t>
+              <a:t>4/8/2019</a:t>
             </a:fld>
             <a:endParaRPr lang="en-US" dirty="0"/>
           </a:p>
@@ -1402,7 +1402,7 @@
           <a:p>
             <a:fld id="{174D01B4-0AA5-45E6-B2E6-5FA4078AEBCF}" type="datetimeFigureOut">
               <a:rPr lang="en-US" smtClean="0"/>
-              <a:t>4/7/2019</a:t>
+              <a:t>4/8/2019</a:t>
             </a:fld>
             <a:endParaRPr lang="en-US" dirty="0"/>
           </a:p>
@@ -2018,7 +2018,7 @@
           <a:p>
             <a:fld id="{4147335C-0450-40D7-8612-B3203BED4F28}" type="datetimeFigureOut">
               <a:rPr lang="en-US" smtClean="0"/>
-              <a:t>4/7/2019</a:t>
+              <a:t>4/8/2019</a:t>
             </a:fld>
             <a:endParaRPr lang="en-US" dirty="0"/>
           </a:p>
@@ -2871,7 +2871,7 @@
           <a:p>
             <a:fld id="{D246A105-2A1C-4284-B4EA-07CF89B1A393}" type="datetimeFigureOut">
               <a:rPr lang="en-US" smtClean="0"/>
-              <a:t>4/7/2019</a:t>
+              <a:t>4/8/2019</a:t>
             </a:fld>
             <a:endParaRPr lang="en-US" dirty="0"/>
           </a:p>
@@ -3047,7 +3047,7 @@
           <a:p>
             <a:fld id="{80DBE609-F3F2-45E6-BD6A-E03A8C86C1AE}" type="datetimeFigureOut">
               <a:rPr lang="en-US" smtClean="0"/>
-              <a:t>4/7/2019</a:t>
+              <a:t>4/8/2019</a:t>
             </a:fld>
             <a:endParaRPr lang="en-US" dirty="0"/>
           </a:p>
@@ -3233,7 +3233,7 @@
           <a:p>
             <a:fld id="{7A24AD68-089C-4467-A8F3-EA2BBCA6B44E}" type="datetimeFigureOut">
               <a:rPr lang="en-US" smtClean="0"/>
-              <a:t>4/7/2019</a:t>
+              <a:t>4/8/2019</a:t>
             </a:fld>
             <a:endParaRPr lang="en-US" dirty="0"/>
           </a:p>
@@ -3409,7 +3409,7 @@
           <a:p>
             <a:fld id="{75C51FCE-E4BB-4680-8E50-3C0E348D2609}" type="datetimeFigureOut">
               <a:rPr lang="en-US" smtClean="0"/>
-              <a:t>4/7/2019</a:t>
+              <a:t>4/8/2019</a:t>
             </a:fld>
             <a:endParaRPr lang="en-US" dirty="0"/>
           </a:p>
@@ -3659,7 +3659,7 @@
           <a:p>
             <a:fld id="{8AAA073D-A903-47F8-8D16-77642FB0DF1F}" type="datetimeFigureOut">
               <a:rPr lang="en-US" smtClean="0"/>
-              <a:t>4/7/2019</a:t>
+              <a:t>4/8/2019</a:t>
             </a:fld>
             <a:endParaRPr lang="en-US" dirty="0"/>
           </a:p>
@@ -3957,7 +3957,7 @@
           <a:p>
             <a:fld id="{AB91FA40-626B-4CA1-85D0-7A9016E395BA}" type="datetimeFigureOut">
               <a:rPr lang="en-US" smtClean="0"/>
-              <a:t>4/7/2019</a:t>
+              <a:t>4/8/2019</a:t>
             </a:fld>
             <a:endParaRPr lang="en-US" dirty="0"/>
           </a:p>
@@ -4401,7 +4401,7 @@
           <a:p>
             <a:fld id="{C3F425EA-B9DC-48A7-991E-9A82573B1B21}" type="datetimeFigureOut">
               <a:rPr lang="en-US" smtClean="0"/>
-              <a:t>4/7/2019</a:t>
+              <a:t>4/8/2019</a:t>
             </a:fld>
             <a:endParaRPr lang="en-US" dirty="0"/>
           </a:p>
@@ -4525,7 +4525,7 @@
           <a:p>
             <a:fld id="{66CB97F8-6CEB-469B-AFCC-889F2A2B1D5A}" type="datetimeFigureOut">
               <a:rPr lang="en-US" smtClean="0"/>
-              <a:t>4/7/2019</a:t>
+              <a:t>4/8/2019</a:t>
             </a:fld>
             <a:endParaRPr lang="en-US" dirty="0"/>
           </a:p>
@@ -4626,7 +4626,7 @@
           <a:p>
             <a:fld id="{8FA9179F-009E-4FA5-B091-7EBB82A185BD}" type="datetimeFigureOut">
               <a:rPr lang="en-US" smtClean="0"/>
-              <a:t>4/7/2019</a:t>
+              <a:t>4/8/2019</a:t>
             </a:fld>
             <a:endParaRPr lang="en-US" dirty="0"/>
           </a:p>
@@ -4911,7 +4911,7 @@
           <a:p>
             <a:fld id="{8E665CEB-0076-4E37-B880-BCEA9784DE0A}" type="datetimeFigureOut">
               <a:rPr lang="en-US" smtClean="0"/>
-              <a:t>4/7/2019</a:t>
+              <a:t>4/8/2019</a:t>
             </a:fld>
             <a:endParaRPr lang="en-US" dirty="0"/>
           </a:p>
@@ -5192,7 +5192,7 @@
           <a:p>
             <a:fld id="{A6149E5E-3896-4118-99A7-7B85668F1C5E}" type="datetimeFigureOut">
               <a:rPr lang="en-US" smtClean="0"/>
-              <a:t>4/7/2019</a:t>
+              <a:t>4/8/2019</a:t>
             </a:fld>
             <a:endParaRPr lang="en-US" dirty="0"/>
           </a:p>
@@ -5627,7 +5627,7 @@
           <a:p>
             <a:fld id="{7E0D914D-B099-4142-A885-11F276715148}" type="datetimeFigureOut">
               <a:rPr lang="en-US" smtClean="0"/>
-              <a:t>4/7/2019</a:t>
+              <a:t>4/8/2019</a:t>
             </a:fld>
             <a:endParaRPr lang="en-US" dirty="0"/>
           </a:p>
@@ -6337,6 +6337,20 @@
             </a:r>
             <a:endParaRPr lang="en-US" dirty="0"/>
           </a:p>
+          <a:p>
+            <a:pPr lvl="3"/>
+            <a:r>
+              <a:rPr lang="en-US" dirty="0"/>
+              <a:t>Written in JavaScript</a:t>
+            </a:r>
+          </a:p>
+          <a:p>
+            <a:pPr lvl="3"/>
+            <a:r>
+              <a:rPr lang="en-US" dirty="0"/>
+              <a:t>Had to use a Json feed for the events</a:t>
+            </a:r>
+          </a:p>
         </p:txBody>
       </p:sp>
     </p:spTree>
@@ -6418,7 +6432,26 @@
           <a:bodyPr/>
           <a:lstStyle/>
           <a:p>
-            <a:endParaRPr lang="en-US"/>
+            <a:r>
+              <a:rPr lang="en-US" dirty="0"/>
+              <a:t>AWS Free tier</a:t>
+            </a:r>
+          </a:p>
+          <a:p>
+            <a:pPr lvl="1"/>
+            <a:r>
+              <a:rPr lang="en-US" dirty="0"/>
+              <a:t>Database and Web hosting</a:t>
+            </a:r>
+          </a:p>
+          <a:p>
+            <a:r>
+              <a:rPr lang="en-US" dirty="0"/>
+              <a:t>Learning how to use various frameworks</a:t>
+            </a:r>
+          </a:p>
+          <a:p>
+            <a:endParaRPr lang="en-US" dirty="0"/>
           </a:p>
         </p:txBody>
       </p:sp>
@@ -6501,7 +6534,31 @@
           <a:bodyPr/>
           <a:lstStyle/>
           <a:p>
-            <a:endParaRPr lang="en-US"/>
+            <a:r>
+              <a:rPr lang="en-US" dirty="0"/>
+              <a:t>Frameworks and APIs are worth their weight</a:t>
+            </a:r>
+          </a:p>
+          <a:p>
+            <a:pPr lvl="1"/>
+            <a:r>
+              <a:rPr lang="en-US" dirty="0"/>
+              <a:t>You don’t have to build everything from the ground up</a:t>
+            </a:r>
+          </a:p>
+          <a:p>
+            <a:pPr lvl="1"/>
+            <a:r>
+              <a:rPr lang="en-US" dirty="0"/>
+              <a:t>Less code to maintain</a:t>
+            </a:r>
+          </a:p>
+          <a:p>
+            <a:pPr lvl="1"/>
+            <a:r>
+              <a:rPr lang="en-US" dirty="0"/>
+              <a:t>Frequently updated</a:t>
+            </a:r>
           </a:p>
         </p:txBody>
       </p:sp>
@@ -6584,7 +6641,10 @@
           <a:bodyPr/>
           <a:lstStyle/>
           <a:p>
-            <a:endParaRPr lang="en-US"/>
+            <a:r>
+              <a:rPr lang="en-US" dirty="0"/>
+              <a:t>If you want to start a new project see if there is a related framework you can use to help build it</a:t>
+            </a:r>
           </a:p>
         </p:txBody>
       </p:sp>
@@ -6669,7 +6729,7 @@
           <a:p>
             <a:r>
               <a:rPr lang="en-US" dirty="0"/>
-              <a:t>Deploy, on time, a fully functioning healthcare administrative assist program that meets all written specifications and is tested. This project will be formally approved before release.</a:t>
+              <a:t>Deploy, on time, a fully functioning healthcare administrative assistant program that meets all written specifications and is tested. This project will be formally approved before release.</a:t>
             </a:r>
           </a:p>
         </p:txBody>
@@ -7690,7 +7750,14 @@
           <a:p>
             <a:r>
               <a:rPr lang="en-US" dirty="0"/>
-              <a:t>UI components </a:t>
+              <a:t>UI components</a:t>
+            </a:r>
+          </a:p>
+          <a:p>
+            <a:pPr lvl="1"/>
+            <a:r>
+              <a:rPr lang="en-US" dirty="0"/>
+              <a:t>Break down your UI into reusable and manageable chunks</a:t>
             </a:r>
           </a:p>
         </p:txBody>

--- a/Documentation/BetaPresentation.pptx
+++ b/Documentation/BetaPresentation.pptx
@@ -308,7 +308,7 @@
             <a:fld id="{1E700B27-DE4C-4B9E-BB11-B9027034A00F}" type="datetimeFigureOut">
               <a:rPr lang="en-US" smtClean="0"/>
               <a:pPr/>
-              <a:t>4/8/2019</a:t>
+              <a:t>4/9/2019</a:t>
             </a:fld>
             <a:endParaRPr lang="en-US" dirty="0"/>
           </a:p>
@@ -589,7 +589,7 @@
           <a:p>
             <a:fld id="{C40F4739-9812-4A9F-890D-2AD6BA5F6EE8}" type="datetimeFigureOut">
               <a:rPr lang="en-US" smtClean="0"/>
-              <a:t>4/8/2019</a:t>
+              <a:t>4/9/2019</a:t>
             </a:fld>
             <a:endParaRPr lang="en-US" dirty="0"/>
           </a:p>
@@ -789,7 +789,7 @@
           <a:p>
             <a:fld id="{18845AC5-A3F8-44AA-BA8F-596CDCC976D3}" type="datetimeFigureOut">
               <a:rPr lang="en-US" smtClean="0"/>
-              <a:t>4/8/2019</a:t>
+              <a:t>4/9/2019</a:t>
             </a:fld>
             <a:endParaRPr lang="en-US" dirty="0"/>
           </a:p>
@@ -1063,7 +1063,7 @@
           <a:p>
             <a:fld id="{7E0D914D-B099-4142-A885-11F276715148}" type="datetimeFigureOut">
               <a:rPr lang="en-US" smtClean="0"/>
-              <a:t>4/8/2019</a:t>
+              <a:t>4/9/2019</a:t>
             </a:fld>
             <a:endParaRPr lang="en-US" dirty="0"/>
           </a:p>
@@ -1402,7 +1402,7 @@
           <a:p>
             <a:fld id="{174D01B4-0AA5-45E6-B2E6-5FA4078AEBCF}" type="datetimeFigureOut">
               <a:rPr lang="en-US" smtClean="0"/>
-              <a:t>4/8/2019</a:t>
+              <a:t>4/9/2019</a:t>
             </a:fld>
             <a:endParaRPr lang="en-US" dirty="0"/>
           </a:p>
@@ -2018,7 +2018,7 @@
           <a:p>
             <a:fld id="{4147335C-0450-40D7-8612-B3203BED4F28}" type="datetimeFigureOut">
               <a:rPr lang="en-US" smtClean="0"/>
-              <a:t>4/8/2019</a:t>
+              <a:t>4/9/2019</a:t>
             </a:fld>
             <a:endParaRPr lang="en-US" dirty="0"/>
           </a:p>
@@ -2871,7 +2871,7 @@
           <a:p>
             <a:fld id="{D246A105-2A1C-4284-B4EA-07CF89B1A393}" type="datetimeFigureOut">
               <a:rPr lang="en-US" smtClean="0"/>
-              <a:t>4/8/2019</a:t>
+              <a:t>4/9/2019</a:t>
             </a:fld>
             <a:endParaRPr lang="en-US" dirty="0"/>
           </a:p>
@@ -3047,7 +3047,7 @@
           <a:p>
             <a:fld id="{80DBE609-F3F2-45E6-BD6A-E03A8C86C1AE}" type="datetimeFigureOut">
               <a:rPr lang="en-US" smtClean="0"/>
-              <a:t>4/8/2019</a:t>
+              <a:t>4/9/2019</a:t>
             </a:fld>
             <a:endParaRPr lang="en-US" dirty="0"/>
           </a:p>
@@ -3233,7 +3233,7 @@
           <a:p>
             <a:fld id="{7A24AD68-089C-4467-A8F3-EA2BBCA6B44E}" type="datetimeFigureOut">
               <a:rPr lang="en-US" smtClean="0"/>
-              <a:t>4/8/2019</a:t>
+              <a:t>4/9/2019</a:t>
             </a:fld>
             <a:endParaRPr lang="en-US" dirty="0"/>
           </a:p>
@@ -3409,7 +3409,7 @@
           <a:p>
             <a:fld id="{75C51FCE-E4BB-4680-8E50-3C0E348D2609}" type="datetimeFigureOut">
               <a:rPr lang="en-US" smtClean="0"/>
-              <a:t>4/8/2019</a:t>
+              <a:t>4/9/2019</a:t>
             </a:fld>
             <a:endParaRPr lang="en-US" dirty="0"/>
           </a:p>
@@ -3659,7 +3659,7 @@
           <a:p>
             <a:fld id="{8AAA073D-A903-47F8-8D16-77642FB0DF1F}" type="datetimeFigureOut">
               <a:rPr lang="en-US" smtClean="0"/>
-              <a:t>4/8/2019</a:t>
+              <a:t>4/9/2019</a:t>
             </a:fld>
             <a:endParaRPr lang="en-US" dirty="0"/>
           </a:p>
@@ -3957,7 +3957,7 @@
           <a:p>
             <a:fld id="{AB91FA40-626B-4CA1-85D0-7A9016E395BA}" type="datetimeFigureOut">
               <a:rPr lang="en-US" smtClean="0"/>
-              <a:t>4/8/2019</a:t>
+              <a:t>4/9/2019</a:t>
             </a:fld>
             <a:endParaRPr lang="en-US" dirty="0"/>
           </a:p>
@@ -4401,7 +4401,7 @@
           <a:p>
             <a:fld id="{C3F425EA-B9DC-48A7-991E-9A82573B1B21}" type="datetimeFigureOut">
               <a:rPr lang="en-US" smtClean="0"/>
-              <a:t>4/8/2019</a:t>
+              <a:t>4/9/2019</a:t>
             </a:fld>
             <a:endParaRPr lang="en-US" dirty="0"/>
           </a:p>
@@ -4525,7 +4525,7 @@
           <a:p>
             <a:fld id="{66CB97F8-6CEB-469B-AFCC-889F2A2B1D5A}" type="datetimeFigureOut">
               <a:rPr lang="en-US" smtClean="0"/>
-              <a:t>4/8/2019</a:t>
+              <a:t>4/9/2019</a:t>
             </a:fld>
             <a:endParaRPr lang="en-US" dirty="0"/>
           </a:p>
@@ -4626,7 +4626,7 @@
           <a:p>
             <a:fld id="{8FA9179F-009E-4FA5-B091-7EBB82A185BD}" type="datetimeFigureOut">
               <a:rPr lang="en-US" smtClean="0"/>
-              <a:t>4/8/2019</a:t>
+              <a:t>4/9/2019</a:t>
             </a:fld>
             <a:endParaRPr lang="en-US" dirty="0"/>
           </a:p>
@@ -4911,7 +4911,7 @@
           <a:p>
             <a:fld id="{8E665CEB-0076-4E37-B880-BCEA9784DE0A}" type="datetimeFigureOut">
               <a:rPr lang="en-US" smtClean="0"/>
-              <a:t>4/8/2019</a:t>
+              <a:t>4/9/2019</a:t>
             </a:fld>
             <a:endParaRPr lang="en-US" dirty="0"/>
           </a:p>
@@ -5192,7 +5192,7 @@
           <a:p>
             <a:fld id="{A6149E5E-3896-4118-99A7-7B85668F1C5E}" type="datetimeFigureOut">
               <a:rPr lang="en-US" smtClean="0"/>
-              <a:t>4/8/2019</a:t>
+              <a:t>4/9/2019</a:t>
             </a:fld>
             <a:endParaRPr lang="en-US" dirty="0"/>
           </a:p>
@@ -5627,7 +5627,7 @@
           <a:p>
             <a:fld id="{7E0D914D-B099-4142-A885-11F276715148}" type="datetimeFigureOut">
               <a:rPr lang="en-US" smtClean="0"/>
-              <a:t>4/8/2019</a:t>
+              <a:t>4/9/2019</a:t>
             </a:fld>
             <a:endParaRPr lang="en-US" dirty="0"/>
           </a:p>
@@ -6560,6 +6560,17 @@
               <a:t>Frequently updated</a:t>
             </a:r>
           </a:p>
+          <a:p>
+            <a:r>
+              <a:rPr lang="en-US" dirty="0"/>
+              <a:t>Newfound respect for </a:t>
+            </a:r>
+            <a:r>
+              <a:rPr lang="en-US" dirty="0" err="1"/>
+              <a:t>webapps</a:t>
+            </a:r>
+            <a:endParaRPr lang="en-US" dirty="0"/>
+          </a:p>
         </p:txBody>
       </p:sp>
     </p:spTree>
@@ -6646,6 +6657,22 @@
               <a:t>If you want to start a new project see if there is a related framework you can use to help build it</a:t>
             </a:r>
           </a:p>
+          <a:p>
+            <a:r>
+              <a:rPr lang="en-US" dirty="0"/>
+              <a:t>Tasks usually take longer than you first expect</a:t>
+            </a:r>
+          </a:p>
+          <a:p>
+            <a:r>
+              <a:rPr lang="en-US" dirty="0"/>
+              <a:t>Don’t be afraid to step out of your comfort zone</a:t>
+            </a:r>
+          </a:p>
+          <a:p>
+            <a:pPr lvl="1"/>
+            <a:endParaRPr lang="en-US" dirty="0"/>
+          </a:p>
         </p:txBody>
       </p:sp>
     </p:spTree>
@@ -6729,7 +6756,7 @@
           <a:p>
             <a:r>
               <a:rPr lang="en-US" dirty="0"/>
-              <a:t>Deploy, on time, a fully functioning healthcare administrative assistant program that meets all written specifications and is tested. This project will be formally approved before release.</a:t>
+              <a:t>Deploy a fully functioning healthcare administrative assistant program that meets all written specifications and is tested. This project will be formally approved before release.</a:t>
             </a:r>
           </a:p>
         </p:txBody>
@@ -7174,10 +7201,10 @@
               <a:buNone/>
             </a:pPr>
             <a:r>
-              <a:rPr lang="en-US" b="1" dirty="0"/>
+              <a:rPr lang="en-US" sz="2600" b="1" dirty="0"/>
               <a:t>Functional Specifications:</a:t>
             </a:r>
-            <a:endParaRPr lang="en-US" dirty="0"/>
+            <a:endParaRPr lang="en-US" sz="2600" dirty="0"/>
           </a:p>
           <a:p>
             <a:r>

--- a/Documentation/BetaPresentation.pptx
+++ b/Documentation/BetaPresentation.pptx
@@ -11,13 +11,14 @@
     <p:sldId id="259" r:id="rId5"/>
     <p:sldId id="260" r:id="rId6"/>
     <p:sldId id="261" r:id="rId7"/>
-    <p:sldId id="262" r:id="rId8"/>
-    <p:sldId id="263" r:id="rId9"/>
-    <p:sldId id="264" r:id="rId10"/>
-    <p:sldId id="265" r:id="rId11"/>
-    <p:sldId id="266" r:id="rId12"/>
-    <p:sldId id="267" r:id="rId13"/>
-    <p:sldId id="268" r:id="rId14"/>
+    <p:sldId id="269" r:id="rId8"/>
+    <p:sldId id="262" r:id="rId9"/>
+    <p:sldId id="263" r:id="rId10"/>
+    <p:sldId id="264" r:id="rId11"/>
+    <p:sldId id="265" r:id="rId12"/>
+    <p:sldId id="266" r:id="rId13"/>
+    <p:sldId id="267" r:id="rId14"/>
+    <p:sldId id="268" r:id="rId15"/>
   </p:sldIdLst>
   <p:sldSz cx="12192000" cy="6858000"/>
   <p:notesSz cx="6858000" cy="9144000"/>
@@ -308,7 +309,7 @@
             <a:fld id="{1E700B27-DE4C-4B9E-BB11-B9027034A00F}" type="datetimeFigureOut">
               <a:rPr lang="en-US" smtClean="0"/>
               <a:pPr/>
-              <a:t>4/8/2019</a:t>
+              <a:t>4/9/2019</a:t>
             </a:fld>
             <a:endParaRPr lang="en-US" dirty="0"/>
           </a:p>
@@ -589,7 +590,7 @@
           <a:p>
             <a:fld id="{C40F4739-9812-4A9F-890D-2AD6BA5F6EE8}" type="datetimeFigureOut">
               <a:rPr lang="en-US" smtClean="0"/>
-              <a:t>4/8/2019</a:t>
+              <a:t>4/9/2019</a:t>
             </a:fld>
             <a:endParaRPr lang="en-US" dirty="0"/>
           </a:p>
@@ -789,7 +790,7 @@
           <a:p>
             <a:fld id="{18845AC5-A3F8-44AA-BA8F-596CDCC976D3}" type="datetimeFigureOut">
               <a:rPr lang="en-US" smtClean="0"/>
-              <a:t>4/8/2019</a:t>
+              <a:t>4/9/2019</a:t>
             </a:fld>
             <a:endParaRPr lang="en-US" dirty="0"/>
           </a:p>
@@ -1063,7 +1064,7 @@
           <a:p>
             <a:fld id="{7E0D914D-B099-4142-A885-11F276715148}" type="datetimeFigureOut">
               <a:rPr lang="en-US" smtClean="0"/>
-              <a:t>4/8/2019</a:t>
+              <a:t>4/9/2019</a:t>
             </a:fld>
             <a:endParaRPr lang="en-US" dirty="0"/>
           </a:p>
@@ -1402,7 +1403,7 @@
           <a:p>
             <a:fld id="{174D01B4-0AA5-45E6-B2E6-5FA4078AEBCF}" type="datetimeFigureOut">
               <a:rPr lang="en-US" smtClean="0"/>
-              <a:t>4/8/2019</a:t>
+              <a:t>4/9/2019</a:t>
             </a:fld>
             <a:endParaRPr lang="en-US" dirty="0"/>
           </a:p>
@@ -2018,7 +2019,7 @@
           <a:p>
             <a:fld id="{4147335C-0450-40D7-8612-B3203BED4F28}" type="datetimeFigureOut">
               <a:rPr lang="en-US" smtClean="0"/>
-              <a:t>4/8/2019</a:t>
+              <a:t>4/9/2019</a:t>
             </a:fld>
             <a:endParaRPr lang="en-US" dirty="0"/>
           </a:p>
@@ -2871,7 +2872,7 @@
           <a:p>
             <a:fld id="{D246A105-2A1C-4284-B4EA-07CF89B1A393}" type="datetimeFigureOut">
               <a:rPr lang="en-US" smtClean="0"/>
-              <a:t>4/8/2019</a:t>
+              <a:t>4/9/2019</a:t>
             </a:fld>
             <a:endParaRPr lang="en-US" dirty="0"/>
           </a:p>
@@ -3047,7 +3048,7 @@
           <a:p>
             <a:fld id="{80DBE609-F3F2-45E6-BD6A-E03A8C86C1AE}" type="datetimeFigureOut">
               <a:rPr lang="en-US" smtClean="0"/>
-              <a:t>4/8/2019</a:t>
+              <a:t>4/9/2019</a:t>
             </a:fld>
             <a:endParaRPr lang="en-US" dirty="0"/>
           </a:p>
@@ -3233,7 +3234,7 @@
           <a:p>
             <a:fld id="{7A24AD68-089C-4467-A8F3-EA2BBCA6B44E}" type="datetimeFigureOut">
               <a:rPr lang="en-US" smtClean="0"/>
-              <a:t>4/8/2019</a:t>
+              <a:t>4/9/2019</a:t>
             </a:fld>
             <a:endParaRPr lang="en-US" dirty="0"/>
           </a:p>
@@ -3409,7 +3410,7 @@
           <a:p>
             <a:fld id="{75C51FCE-E4BB-4680-8E50-3C0E348D2609}" type="datetimeFigureOut">
               <a:rPr lang="en-US" smtClean="0"/>
-              <a:t>4/8/2019</a:t>
+              <a:t>4/9/2019</a:t>
             </a:fld>
             <a:endParaRPr lang="en-US" dirty="0"/>
           </a:p>
@@ -3659,7 +3660,7 @@
           <a:p>
             <a:fld id="{8AAA073D-A903-47F8-8D16-77642FB0DF1F}" type="datetimeFigureOut">
               <a:rPr lang="en-US" smtClean="0"/>
-              <a:t>4/8/2019</a:t>
+              <a:t>4/9/2019</a:t>
             </a:fld>
             <a:endParaRPr lang="en-US" dirty="0"/>
           </a:p>
@@ -3957,7 +3958,7 @@
           <a:p>
             <a:fld id="{AB91FA40-626B-4CA1-85D0-7A9016E395BA}" type="datetimeFigureOut">
               <a:rPr lang="en-US" smtClean="0"/>
-              <a:t>4/8/2019</a:t>
+              <a:t>4/9/2019</a:t>
             </a:fld>
             <a:endParaRPr lang="en-US" dirty="0"/>
           </a:p>
@@ -4401,7 +4402,7 @@
           <a:p>
             <a:fld id="{C3F425EA-B9DC-48A7-991E-9A82573B1B21}" type="datetimeFigureOut">
               <a:rPr lang="en-US" smtClean="0"/>
-              <a:t>4/8/2019</a:t>
+              <a:t>4/9/2019</a:t>
             </a:fld>
             <a:endParaRPr lang="en-US" dirty="0"/>
           </a:p>
@@ -4525,7 +4526,7 @@
           <a:p>
             <a:fld id="{66CB97F8-6CEB-469B-AFCC-889F2A2B1D5A}" type="datetimeFigureOut">
               <a:rPr lang="en-US" smtClean="0"/>
-              <a:t>4/8/2019</a:t>
+              <a:t>4/9/2019</a:t>
             </a:fld>
             <a:endParaRPr lang="en-US" dirty="0"/>
           </a:p>
@@ -4626,7 +4627,7 @@
           <a:p>
             <a:fld id="{8FA9179F-009E-4FA5-B091-7EBB82A185BD}" type="datetimeFigureOut">
               <a:rPr lang="en-US" smtClean="0"/>
-              <a:t>4/8/2019</a:t>
+              <a:t>4/9/2019</a:t>
             </a:fld>
             <a:endParaRPr lang="en-US" dirty="0"/>
           </a:p>
@@ -4911,7 +4912,7 @@
           <a:p>
             <a:fld id="{8E665CEB-0076-4E37-B880-BCEA9784DE0A}" type="datetimeFigureOut">
               <a:rPr lang="en-US" smtClean="0"/>
-              <a:t>4/8/2019</a:t>
+              <a:t>4/9/2019</a:t>
             </a:fld>
             <a:endParaRPr lang="en-US" dirty="0"/>
           </a:p>
@@ -5192,7 +5193,7 @@
           <a:p>
             <a:fld id="{A6149E5E-3896-4118-99A7-7B85668F1C5E}" type="datetimeFigureOut">
               <a:rPr lang="en-US" smtClean="0"/>
-              <a:t>4/8/2019</a:t>
+              <a:t>4/9/2019</a:t>
             </a:fld>
             <a:endParaRPr lang="en-US" dirty="0"/>
           </a:p>
@@ -5627,7 +5628,7 @@
           <a:p>
             <a:fld id="{7E0D914D-B099-4142-A885-11F276715148}" type="datetimeFigureOut">
               <a:rPr lang="en-US" smtClean="0"/>
-              <a:t>4/8/2019</a:t>
+              <a:t>4/9/2019</a:t>
             </a:fld>
             <a:endParaRPr lang="en-US" dirty="0"/>
           </a:p>
@@ -6230,7 +6231,7 @@
           <p:cNvPr id="2" name="Title 1">
             <a:extLst>
               <a:ext uri="{FF2B5EF4-FFF2-40B4-BE49-F238E27FC236}">
-                <a16:creationId xmlns:a16="http://schemas.microsoft.com/office/drawing/2014/main" id="{60AECEA3-E7E5-44A0-BDD3-374B2AD0444D}"/>
+                <a16:creationId xmlns:a16="http://schemas.microsoft.com/office/drawing/2014/main" id="{8EB890F4-D667-4023-BB8A-D7F0EBFB5A75}"/>
               </a:ext>
             </a:extLst>
           </p:cNvPr>
@@ -6248,7 +6249,7 @@
           <a:p>
             <a:r>
               <a:rPr lang="en-US" dirty="0"/>
-              <a:t>Project Challenges</a:t>
+              <a:t>Project Suggested Enhancements</a:t>
             </a:r>
           </a:p>
         </p:txBody>
@@ -6258,7 +6259,7 @@
           <p:cNvPr id="3" name="Content Placeholder 2">
             <a:extLst>
               <a:ext uri="{FF2B5EF4-FFF2-40B4-BE49-F238E27FC236}">
-                <a16:creationId xmlns:a16="http://schemas.microsoft.com/office/drawing/2014/main" id="{2DEFD5E9-73DD-4ACE-B66A-1C6F0A4F41D5}"/>
+                <a16:creationId xmlns:a16="http://schemas.microsoft.com/office/drawing/2014/main" id="{DBE1072D-C82D-4553-9741-58640FAD39F8}"/>
               </a:ext>
             </a:extLst>
           </p:cNvPr>
@@ -6276,79 +6277,20 @@
           <a:p>
             <a:r>
               <a:rPr lang="en-US" dirty="0"/>
-              <a:t>Learning Curves</a:t>
+              <a:t>Frameworks</a:t>
+            </a:r>
+          </a:p>
+          <a:p>
+            <a:r>
+              <a:rPr lang="en-US" dirty="0"/>
+              <a:t>UI components</a:t>
             </a:r>
           </a:p>
           <a:p>
             <a:pPr lvl="1"/>
             <a:r>
               <a:rPr lang="en-US" dirty="0"/>
-              <a:t>Frameworks</a:t>
-            </a:r>
-          </a:p>
-          <a:p>
-            <a:pPr lvl="2"/>
-            <a:r>
-              <a:rPr lang="en-US" dirty="0"/>
-              <a:t>Hibernate</a:t>
-            </a:r>
-          </a:p>
-          <a:p>
-            <a:pPr lvl="2"/>
-            <a:r>
-              <a:rPr lang="en-US" dirty="0" err="1"/>
-              <a:t>BootsFaces</a:t>
-            </a:r>
-            <a:endParaRPr lang="en-US" dirty="0"/>
-          </a:p>
-          <a:p>
-            <a:pPr lvl="1"/>
-            <a:r>
-              <a:rPr lang="en-US" dirty="0"/>
-              <a:t>AWS Free Tier</a:t>
-            </a:r>
-          </a:p>
-          <a:p>
-            <a:pPr lvl="2"/>
-            <a:r>
-              <a:rPr lang="en-US" dirty="0"/>
-              <a:t>RDS Database</a:t>
-            </a:r>
-          </a:p>
-          <a:p>
-            <a:pPr lvl="2"/>
-            <a:r>
-              <a:rPr lang="en-US" dirty="0"/>
-              <a:t>Elastic Beanstalk Environment</a:t>
-            </a:r>
-          </a:p>
-          <a:p>
-            <a:pPr lvl="1"/>
-            <a:r>
-              <a:rPr lang="en-US" dirty="0"/>
-              <a:t>APIs</a:t>
-            </a:r>
-          </a:p>
-          <a:p>
-            <a:pPr lvl="2"/>
-            <a:r>
-              <a:rPr lang="en-US" dirty="0" err="1"/>
-              <a:t>FullCalendar</a:t>
-            </a:r>
-            <a:endParaRPr lang="en-US" dirty="0"/>
-          </a:p>
-          <a:p>
-            <a:pPr lvl="3"/>
-            <a:r>
-              <a:rPr lang="en-US" dirty="0"/>
-              <a:t>Written in JavaScript</a:t>
-            </a:r>
-          </a:p>
-          <a:p>
-            <a:pPr lvl="3"/>
-            <a:r>
-              <a:rPr lang="en-US" dirty="0"/>
-              <a:t>Had to use a Json feed for the events</a:t>
+              <a:t>Break down your UI into reusable and manageable chunks</a:t>
             </a:r>
           </a:p>
         </p:txBody>
@@ -6356,7 +6298,7 @@
     </p:spTree>
     <p:extLst>
       <p:ext uri="{BB962C8B-B14F-4D97-AF65-F5344CB8AC3E}">
-        <p14:creationId xmlns:p14="http://schemas.microsoft.com/office/powerpoint/2010/main" val="3102510157"/>
+        <p14:creationId xmlns:p14="http://schemas.microsoft.com/office/powerpoint/2010/main" val="4101855145"/>
       </p:ext>
     </p:extLst>
   </p:cSld>
@@ -6388,7 +6330,7 @@
           <p:cNvPr id="2" name="Title 1">
             <a:extLst>
               <a:ext uri="{FF2B5EF4-FFF2-40B4-BE49-F238E27FC236}">
-                <a16:creationId xmlns:a16="http://schemas.microsoft.com/office/drawing/2014/main" id="{790BC037-D920-4C9E-83B5-B6AC17C2EBD5}"/>
+                <a16:creationId xmlns:a16="http://schemas.microsoft.com/office/drawing/2014/main" id="{60AECEA3-E7E5-44A0-BDD3-374B2AD0444D}"/>
               </a:ext>
             </a:extLst>
           </p:cNvPr>
@@ -6406,7 +6348,7 @@
           <a:p>
             <a:r>
               <a:rPr lang="en-US" dirty="0"/>
-              <a:t>Project Successes</a:t>
+              <a:t>Project Challenges</a:t>
             </a:r>
           </a:p>
         </p:txBody>
@@ -6416,7 +6358,7 @@
           <p:cNvPr id="3" name="Content Placeholder 2">
             <a:extLst>
               <a:ext uri="{FF2B5EF4-FFF2-40B4-BE49-F238E27FC236}">
-                <a16:creationId xmlns:a16="http://schemas.microsoft.com/office/drawing/2014/main" id="{44F52C08-1A01-4B5B-BF21-9613AE31FA06}"/>
+                <a16:creationId xmlns:a16="http://schemas.microsoft.com/office/drawing/2014/main" id="{2DEFD5E9-73DD-4ACE-B66A-1C6F0A4F41D5}"/>
               </a:ext>
             </a:extLst>
           </p:cNvPr>
@@ -6434,31 +6376,87 @@
           <a:p>
             <a:r>
               <a:rPr lang="en-US" dirty="0"/>
-              <a:t>AWS Free tier</a:t>
+              <a:t>Learning Curves</a:t>
             </a:r>
           </a:p>
           <a:p>
             <a:pPr lvl="1"/>
             <a:r>
               <a:rPr lang="en-US" dirty="0"/>
-              <a:t>Database and Web hosting</a:t>
-            </a:r>
-          </a:p>
-          <a:p>
+              <a:t>Frameworks</a:t>
+            </a:r>
+          </a:p>
+          <a:p>
+            <a:pPr lvl="2"/>
             <a:r>
               <a:rPr lang="en-US" dirty="0"/>
-              <a:t>Learning how to use various frameworks</a:t>
-            </a:r>
-          </a:p>
-          <a:p>
-            <a:endParaRPr lang="en-US" dirty="0"/>
+              <a:t>Hibernate</a:t>
+            </a:r>
+          </a:p>
+          <a:p>
+            <a:pPr lvl="2"/>
+            <a:r>
+              <a:rPr lang="en-US" dirty="0" err="1"/>
+              <a:t>BootsFaces</a:t>
+            </a:r>
+            <a:endParaRPr lang="en-US" dirty="0"/>
+          </a:p>
+          <a:p>
+            <a:pPr lvl="1"/>
+            <a:r>
+              <a:rPr lang="en-US" dirty="0"/>
+              <a:t>AWS Free Tier</a:t>
+            </a:r>
+          </a:p>
+          <a:p>
+            <a:pPr lvl="2"/>
+            <a:r>
+              <a:rPr lang="en-US" dirty="0"/>
+              <a:t>RDS Database</a:t>
+            </a:r>
+          </a:p>
+          <a:p>
+            <a:pPr lvl="2"/>
+            <a:r>
+              <a:rPr lang="en-US" dirty="0"/>
+              <a:t>Elastic Beanstalk Environment</a:t>
+            </a:r>
+          </a:p>
+          <a:p>
+            <a:pPr lvl="1"/>
+            <a:r>
+              <a:rPr lang="en-US" dirty="0"/>
+              <a:t>APIs</a:t>
+            </a:r>
+          </a:p>
+          <a:p>
+            <a:pPr lvl="2"/>
+            <a:r>
+              <a:rPr lang="en-US" dirty="0" err="1"/>
+              <a:t>FullCalendar</a:t>
+            </a:r>
+            <a:endParaRPr lang="en-US" dirty="0"/>
+          </a:p>
+          <a:p>
+            <a:pPr lvl="3"/>
+            <a:r>
+              <a:rPr lang="en-US" dirty="0"/>
+              <a:t>Written in JavaScript</a:t>
+            </a:r>
+          </a:p>
+          <a:p>
+            <a:pPr lvl="3"/>
+            <a:r>
+              <a:rPr lang="en-US" dirty="0"/>
+              <a:t>Had to use a Json feed for the events</a:t>
+            </a:r>
           </a:p>
         </p:txBody>
       </p:sp>
     </p:spTree>
     <p:extLst>
       <p:ext uri="{BB962C8B-B14F-4D97-AF65-F5344CB8AC3E}">
-        <p14:creationId xmlns:p14="http://schemas.microsoft.com/office/powerpoint/2010/main" val="3953334059"/>
+        <p14:creationId xmlns:p14="http://schemas.microsoft.com/office/powerpoint/2010/main" val="3102510157"/>
       </p:ext>
     </p:extLst>
   </p:cSld>
@@ -6490,6 +6488,108 @@
           <p:cNvPr id="2" name="Title 1">
             <a:extLst>
               <a:ext uri="{FF2B5EF4-FFF2-40B4-BE49-F238E27FC236}">
+                <a16:creationId xmlns:a16="http://schemas.microsoft.com/office/drawing/2014/main" id="{790BC037-D920-4C9E-83B5-B6AC17C2EBD5}"/>
+              </a:ext>
+            </a:extLst>
+          </p:cNvPr>
+          <p:cNvSpPr>
+            <a:spLocks noGrp="1"/>
+          </p:cNvSpPr>
+          <p:nvPr>
+            <p:ph type="title"/>
+          </p:nvPr>
+        </p:nvSpPr>
+        <p:spPr/>
+        <p:txBody>
+          <a:bodyPr/>
+          <a:lstStyle/>
+          <a:p>
+            <a:r>
+              <a:rPr lang="en-US" dirty="0"/>
+              <a:t>Project Successes</a:t>
+            </a:r>
+          </a:p>
+        </p:txBody>
+      </p:sp>
+      <p:sp>
+        <p:nvSpPr>
+          <p:cNvPr id="3" name="Content Placeholder 2">
+            <a:extLst>
+              <a:ext uri="{FF2B5EF4-FFF2-40B4-BE49-F238E27FC236}">
+                <a16:creationId xmlns:a16="http://schemas.microsoft.com/office/drawing/2014/main" id="{44F52C08-1A01-4B5B-BF21-9613AE31FA06}"/>
+              </a:ext>
+            </a:extLst>
+          </p:cNvPr>
+          <p:cNvSpPr>
+            <a:spLocks noGrp="1"/>
+          </p:cNvSpPr>
+          <p:nvPr>
+            <p:ph idx="1"/>
+          </p:nvPr>
+        </p:nvSpPr>
+        <p:spPr/>
+        <p:txBody>
+          <a:bodyPr/>
+          <a:lstStyle/>
+          <a:p>
+            <a:r>
+              <a:rPr lang="en-US" dirty="0"/>
+              <a:t>AWS Free tier</a:t>
+            </a:r>
+          </a:p>
+          <a:p>
+            <a:pPr lvl="1"/>
+            <a:r>
+              <a:rPr lang="en-US" dirty="0"/>
+              <a:t>Database and Web hosting</a:t>
+            </a:r>
+          </a:p>
+          <a:p>
+            <a:r>
+              <a:rPr lang="en-US" dirty="0"/>
+              <a:t>Learning how to use various frameworks</a:t>
+            </a:r>
+          </a:p>
+          <a:p>
+            <a:endParaRPr lang="en-US" dirty="0"/>
+          </a:p>
+        </p:txBody>
+      </p:sp>
+    </p:spTree>
+    <p:extLst>
+      <p:ext uri="{BB962C8B-B14F-4D97-AF65-F5344CB8AC3E}">
+        <p14:creationId xmlns:p14="http://schemas.microsoft.com/office/powerpoint/2010/main" val="3953334059"/>
+      </p:ext>
+    </p:extLst>
+  </p:cSld>
+  <p:clrMapOvr>
+    <a:masterClrMapping/>
+  </p:clrMapOvr>
+</p:sld>
+</file>
+
+<file path=ppt/slides/slide13.xml><?xml version="1.0" encoding="utf-8"?>
+<p:sld xmlns:a="http://schemas.openxmlformats.org/drawingml/2006/main" xmlns:r="http://schemas.openxmlformats.org/officeDocument/2006/relationships" xmlns:p="http://schemas.openxmlformats.org/presentationml/2006/main">
+  <p:cSld>
+    <p:spTree>
+      <p:nvGrpSpPr>
+        <p:cNvPr id="1" name=""/>
+        <p:cNvGrpSpPr/>
+        <p:nvPr/>
+      </p:nvGrpSpPr>
+      <p:grpSpPr>
+        <a:xfrm>
+          <a:off x="0" y="0"/>
+          <a:ext cx="0" cy="0"/>
+          <a:chOff x="0" y="0"/>
+          <a:chExt cx="0" cy="0"/>
+        </a:xfrm>
+      </p:grpSpPr>
+      <p:sp>
+        <p:nvSpPr>
+          <p:cNvPr id="2" name="Title 1">
+            <a:extLst>
+              <a:ext uri="{FF2B5EF4-FFF2-40B4-BE49-F238E27FC236}">
                 <a16:creationId xmlns:a16="http://schemas.microsoft.com/office/drawing/2014/main" id="{BB8979B6-6F13-44C2-A7A7-956AD38357CC}"/>
               </a:ext>
             </a:extLst>
@@ -6575,7 +6675,7 @@
 </p:sld>
 </file>
 
-<file path=ppt/slides/slide13.xml><?xml version="1.0" encoding="utf-8"?>
+<file path=ppt/slides/slide14.xml><?xml version="1.0" encoding="utf-8"?>
 <p:sld xmlns:a="http://schemas.openxmlformats.org/drawingml/2006/main" xmlns:r="http://schemas.openxmlformats.org/officeDocument/2006/relationships" xmlns:p="http://schemas.openxmlformats.org/presentationml/2006/main">
   <p:cSld>
     <p:spTree>
@@ -7455,6 +7555,119 @@
           <p:cNvPr id="2" name="Title 1">
             <a:extLst>
               <a:ext uri="{FF2B5EF4-FFF2-40B4-BE49-F238E27FC236}">
+                <a16:creationId xmlns:a16="http://schemas.microsoft.com/office/drawing/2014/main" id="{CDF4300A-E244-4E3D-8EF5-810014913202}"/>
+              </a:ext>
+            </a:extLst>
+          </p:cNvPr>
+          <p:cNvSpPr>
+            <a:spLocks noGrp="1"/>
+          </p:cNvSpPr>
+          <p:nvPr>
+            <p:ph type="title"/>
+          </p:nvPr>
+        </p:nvSpPr>
+        <p:spPr/>
+        <p:txBody>
+          <a:bodyPr/>
+          <a:lstStyle/>
+          <a:p>
+            <a:r>
+              <a:rPr lang="en-US" dirty="0"/>
+              <a:t>Database Implementation	</a:t>
+            </a:r>
+          </a:p>
+        </p:txBody>
+      </p:sp>
+      <p:sp>
+        <p:nvSpPr>
+          <p:cNvPr id="3" name="Content Placeholder 2">
+            <a:extLst>
+              <a:ext uri="{FF2B5EF4-FFF2-40B4-BE49-F238E27FC236}">
+                <a16:creationId xmlns:a16="http://schemas.microsoft.com/office/drawing/2014/main" id="{A0DB027B-BD8C-4F13-8B75-6FBE54E254AB}"/>
+              </a:ext>
+            </a:extLst>
+          </p:cNvPr>
+          <p:cNvSpPr>
+            <a:spLocks noGrp="1"/>
+          </p:cNvSpPr>
+          <p:nvPr>
+            <p:ph idx="1"/>
+          </p:nvPr>
+        </p:nvSpPr>
+        <p:spPr/>
+        <p:txBody>
+          <a:bodyPr/>
+          <a:lstStyle/>
+          <a:p>
+            <a:r>
+              <a:rPr lang="en-US" dirty="0"/>
+              <a:t>MySQL Server</a:t>
+            </a:r>
+          </a:p>
+          <a:p>
+            <a:r>
+              <a:rPr lang="en-US" dirty="0"/>
+              <a:t>Hibernate Framework</a:t>
+            </a:r>
+          </a:p>
+          <a:p>
+            <a:r>
+              <a:rPr lang="en-US" dirty="0"/>
+              <a:t>AWS Hosted</a:t>
+            </a:r>
+          </a:p>
+          <a:p>
+            <a:endParaRPr lang="en-US" dirty="0"/>
+          </a:p>
+          <a:p>
+            <a:r>
+              <a:rPr lang="en-US" dirty="0"/>
+              <a:t>Hibernate allows our databases to Utilize Object Relational Mapping instead of using the traditional Relational Database Model.</a:t>
+            </a:r>
+          </a:p>
+          <a:p>
+            <a:r>
+              <a:rPr lang="en-US" dirty="0"/>
+              <a:t>This allows our DB’s to be connected to Java via a mapping XML File and supports a more Object Oriented approach to CRUD(Create, Read, Update, Delete) operations.</a:t>
+            </a:r>
+          </a:p>
+        </p:txBody>
+      </p:sp>
+    </p:spTree>
+    <p:extLst>
+      <p:ext uri="{BB962C8B-B14F-4D97-AF65-F5344CB8AC3E}">
+        <p14:creationId xmlns:p14="http://schemas.microsoft.com/office/powerpoint/2010/main" val="2619979745"/>
+      </p:ext>
+    </p:extLst>
+  </p:cSld>
+  <p:clrMapOvr>
+    <a:masterClrMapping/>
+  </p:clrMapOvr>
+</p:sld>
+</file>
+
+<file path=ppt/slides/slide8.xml><?xml version="1.0" encoding="utf-8"?>
+<p:sld xmlns:a="http://schemas.openxmlformats.org/drawingml/2006/main" xmlns:r="http://schemas.openxmlformats.org/officeDocument/2006/relationships" xmlns:p="http://schemas.openxmlformats.org/presentationml/2006/main">
+  <p:cSld>
+    <p:spTree>
+      <p:nvGrpSpPr>
+        <p:cNvPr id="1" name=""/>
+        <p:cNvGrpSpPr/>
+        <p:nvPr/>
+      </p:nvGrpSpPr>
+      <p:grpSpPr>
+        <a:xfrm>
+          <a:off x="0" y="0"/>
+          <a:ext cx="0" cy="0"/>
+          <a:chOff x="0" y="0"/>
+          <a:chExt cx="0" cy="0"/>
+        </a:xfrm>
+      </p:grpSpPr>
+      <p:sp>
+        <p:nvSpPr>
+          <p:cNvPr id="2" name="Title 1">
+            <a:extLst>
+              <a:ext uri="{FF2B5EF4-FFF2-40B4-BE49-F238E27FC236}">
                 <a16:creationId xmlns:a16="http://schemas.microsoft.com/office/drawing/2014/main" id="{2C1F9995-7D85-4943-B7AC-AAD103E99F89}"/>
               </a:ext>
             </a:extLst>
@@ -7466,7 +7679,12 @@
             <p:ph type="title"/>
           </p:nvPr>
         </p:nvSpPr>
-        <p:spPr/>
+        <p:spPr>
+          <a:xfrm>
+            <a:off x="646111" y="452718"/>
+            <a:ext cx="9404723" cy="1400530"/>
+          </a:xfrm>
+        </p:spPr>
         <p:txBody>
           <a:bodyPr/>
           <a:lstStyle/>
@@ -7478,28 +7696,318 @@
           </a:p>
         </p:txBody>
       </p:sp>
-      <p:sp>
-        <p:nvSpPr>
-          <p:cNvPr id="3" name="Content Placeholder 2">
+      <p:pic>
+        <p:nvPicPr>
+          <p:cNvPr id="4" name="Picture 3">
             <a:extLst>
               <a:ext uri="{FF2B5EF4-FFF2-40B4-BE49-F238E27FC236}">
-                <a16:creationId xmlns:a16="http://schemas.microsoft.com/office/drawing/2014/main" id="{93A0F90F-6051-4CEC-8AEC-8CC8335F8DD8}"/>
+                <a16:creationId xmlns:a16="http://schemas.microsoft.com/office/drawing/2014/main" id="{7D0071D1-C40C-4661-A6B4-411BE311AEFD}"/>
               </a:ext>
             </a:extLst>
           </p:cNvPr>
-          <p:cNvSpPr>
-            <a:spLocks noGrp="1"/>
-          </p:cNvSpPr>
-          <p:nvPr>
-            <p:ph idx="1"/>
-          </p:nvPr>
-        </p:nvSpPr>
-        <p:spPr/>
-        <p:txBody>
-          <a:bodyPr/>
-          <a:lstStyle/>
-          <a:p>
-            <a:endParaRPr lang="en-US"/>
+          <p:cNvPicPr>
+            <a:picLocks noChangeAspect="1"/>
+          </p:cNvPicPr>
+          <p:nvPr/>
+        </p:nvPicPr>
+        <p:blipFill>
+          <a:blip r:embed="rId2"/>
+          <a:stretch>
+            <a:fillRect/>
+          </a:stretch>
+        </p:blipFill>
+        <p:spPr>
+          <a:xfrm>
+            <a:off x="7186410" y="2239894"/>
+            <a:ext cx="4321659" cy="717313"/>
+          </a:xfrm>
+          <a:prstGeom prst="rect">
+            <a:avLst/>
+          </a:prstGeom>
+        </p:spPr>
+      </p:pic>
+      <p:pic>
+        <p:nvPicPr>
+          <p:cNvPr id="5" name="Picture 4">
+            <a:extLst>
+              <a:ext uri="{FF2B5EF4-FFF2-40B4-BE49-F238E27FC236}">
+                <a16:creationId xmlns:a16="http://schemas.microsoft.com/office/drawing/2014/main" id="{97030308-22B0-40B9-B6C9-3A4DD522211D}"/>
+              </a:ext>
+            </a:extLst>
+          </p:cNvPr>
+          <p:cNvPicPr>
+            <a:picLocks noChangeAspect="1"/>
+          </p:cNvPicPr>
+          <p:nvPr/>
+        </p:nvPicPr>
+        <p:blipFill>
+          <a:blip r:embed="rId3"/>
+          <a:stretch>
+            <a:fillRect/>
+          </a:stretch>
+        </p:blipFill>
+        <p:spPr>
+          <a:xfrm>
+            <a:off x="7186410" y="3356102"/>
+            <a:ext cx="4321659" cy="766300"/>
+          </a:xfrm>
+          <a:prstGeom prst="rect">
+            <a:avLst/>
+          </a:prstGeom>
+        </p:spPr>
+      </p:pic>
+      <p:pic>
+        <p:nvPicPr>
+          <p:cNvPr id="6" name="Picture 5">
+            <a:extLst>
+              <a:ext uri="{FF2B5EF4-FFF2-40B4-BE49-F238E27FC236}">
+                <a16:creationId xmlns:a16="http://schemas.microsoft.com/office/drawing/2014/main" id="{9F752D53-E2F3-49B6-A899-4E87E932C7D0}"/>
+              </a:ext>
+            </a:extLst>
+          </p:cNvPr>
+          <p:cNvPicPr>
+            <a:picLocks noChangeAspect="1"/>
+          </p:cNvPicPr>
+          <p:nvPr/>
+        </p:nvPicPr>
+        <p:blipFill>
+          <a:blip r:embed="rId4"/>
+          <a:stretch>
+            <a:fillRect/>
+          </a:stretch>
+        </p:blipFill>
+        <p:spPr>
+          <a:xfrm>
+            <a:off x="1048276" y="2247434"/>
+            <a:ext cx="4321659" cy="717313"/>
+          </a:xfrm>
+          <a:prstGeom prst="rect">
+            <a:avLst/>
+          </a:prstGeom>
+        </p:spPr>
+      </p:pic>
+      <p:pic>
+        <p:nvPicPr>
+          <p:cNvPr id="7" name="Picture 6">
+            <a:extLst>
+              <a:ext uri="{FF2B5EF4-FFF2-40B4-BE49-F238E27FC236}">
+                <a16:creationId xmlns:a16="http://schemas.microsoft.com/office/drawing/2014/main" id="{29C848B0-AB5D-4910-BD0A-16694F36B971}"/>
+              </a:ext>
+            </a:extLst>
+          </p:cNvPr>
+          <p:cNvPicPr>
+            <a:picLocks noChangeAspect="1"/>
+          </p:cNvPicPr>
+          <p:nvPr/>
+        </p:nvPicPr>
+        <p:blipFill>
+          <a:blip r:embed="rId5"/>
+          <a:stretch>
+            <a:fillRect/>
+          </a:stretch>
+        </p:blipFill>
+        <p:spPr>
+          <a:xfrm>
+            <a:off x="1048276" y="3358933"/>
+            <a:ext cx="4321659" cy="763469"/>
+          </a:xfrm>
+          <a:prstGeom prst="rect">
+            <a:avLst/>
+          </a:prstGeom>
+        </p:spPr>
+      </p:pic>
+      <p:sp>
+        <p:nvSpPr>
+          <p:cNvPr id="8" name="TextBox 7">
+            <a:extLst>
+              <a:ext uri="{FF2B5EF4-FFF2-40B4-BE49-F238E27FC236}">
+                <a16:creationId xmlns:a16="http://schemas.microsoft.com/office/drawing/2014/main" id="{F4BFE141-C86B-4645-913F-C04D6BF60F63}"/>
+              </a:ext>
+            </a:extLst>
+          </p:cNvPr>
+          <p:cNvSpPr txBox="1"/>
+          <p:nvPr/>
+        </p:nvSpPr>
+        <p:spPr>
+          <a:xfrm>
+            <a:off x="2239860" y="1853248"/>
+            <a:ext cx="1646605" cy="369332"/>
+          </a:xfrm>
+          <a:prstGeom prst="rect">
+            <a:avLst/>
+          </a:prstGeom>
+          <a:noFill/>
+        </p:spPr>
+        <p:txBody>
+          <a:bodyPr wrap="none" rtlCol="0">
+            <a:spAutoFit/>
+          </a:bodyPr>
+          <a:lstStyle/>
+          <a:p>
+            <a:r>
+              <a:rPr lang="en-US" dirty="0"/>
+              <a:t>Patient Table</a:t>
+            </a:r>
+          </a:p>
+        </p:txBody>
+      </p:sp>
+      <p:sp>
+        <p:nvSpPr>
+          <p:cNvPr id="9" name="TextBox 8">
+            <a:extLst>
+              <a:ext uri="{FF2B5EF4-FFF2-40B4-BE49-F238E27FC236}">
+                <a16:creationId xmlns:a16="http://schemas.microsoft.com/office/drawing/2014/main" id="{FA91F074-2110-4901-B804-DF93C2302C38}"/>
+              </a:ext>
+            </a:extLst>
+          </p:cNvPr>
+          <p:cNvSpPr txBox="1"/>
+          <p:nvPr/>
+        </p:nvSpPr>
+        <p:spPr>
+          <a:xfrm>
+            <a:off x="2316759" y="2973374"/>
+            <a:ext cx="1317990" cy="369332"/>
+          </a:xfrm>
+          <a:prstGeom prst="rect">
+            <a:avLst/>
+          </a:prstGeom>
+          <a:noFill/>
+        </p:spPr>
+        <p:txBody>
+          <a:bodyPr wrap="none" rtlCol="0">
+            <a:spAutoFit/>
+          </a:bodyPr>
+          <a:lstStyle/>
+          <a:p>
+            <a:r>
+              <a:rPr lang="en-US" dirty="0"/>
+              <a:t>User Table</a:t>
+            </a:r>
+          </a:p>
+        </p:txBody>
+      </p:sp>
+      <p:sp>
+        <p:nvSpPr>
+          <p:cNvPr id="10" name="TextBox 9">
+            <a:extLst>
+              <a:ext uri="{FF2B5EF4-FFF2-40B4-BE49-F238E27FC236}">
+                <a16:creationId xmlns:a16="http://schemas.microsoft.com/office/drawing/2014/main" id="{E64EEAE0-9CA7-4932-924F-AD9BC8C1464B}"/>
+              </a:ext>
+            </a:extLst>
+          </p:cNvPr>
+          <p:cNvSpPr txBox="1"/>
+          <p:nvPr/>
+        </p:nvSpPr>
+        <p:spPr>
+          <a:xfrm>
+            <a:off x="8305537" y="1836420"/>
+            <a:ext cx="2347117" cy="369332"/>
+          </a:xfrm>
+          <a:prstGeom prst="rect">
+            <a:avLst/>
+          </a:prstGeom>
+          <a:noFill/>
+        </p:spPr>
+        <p:txBody>
+          <a:bodyPr wrap="none" rtlCol="0">
+            <a:spAutoFit/>
+          </a:bodyPr>
+          <a:lstStyle/>
+          <a:p>
+            <a:r>
+              <a:rPr lang="en-US" dirty="0"/>
+              <a:t>Appointment Table</a:t>
+            </a:r>
+          </a:p>
+        </p:txBody>
+      </p:sp>
+      <p:sp>
+        <p:nvSpPr>
+          <p:cNvPr id="11" name="TextBox 10">
+            <a:extLst>
+              <a:ext uri="{FF2B5EF4-FFF2-40B4-BE49-F238E27FC236}">
+                <a16:creationId xmlns:a16="http://schemas.microsoft.com/office/drawing/2014/main" id="{B9F211B2-E9A0-4E42-BFC5-F4B2EA565A0A}"/>
+              </a:ext>
+            </a:extLst>
+          </p:cNvPr>
+          <p:cNvSpPr txBox="1"/>
+          <p:nvPr/>
+        </p:nvSpPr>
+        <p:spPr>
+          <a:xfrm>
+            <a:off x="8568003" y="2991349"/>
+            <a:ext cx="1627369" cy="369332"/>
+          </a:xfrm>
+          <a:prstGeom prst="rect">
+            <a:avLst/>
+          </a:prstGeom>
+          <a:noFill/>
+        </p:spPr>
+        <p:txBody>
+          <a:bodyPr wrap="none" rtlCol="0">
+            <a:spAutoFit/>
+          </a:bodyPr>
+          <a:lstStyle/>
+          <a:p>
+            <a:r>
+              <a:rPr lang="en-US" dirty="0"/>
+              <a:t>Doctor Table</a:t>
+            </a:r>
+          </a:p>
+        </p:txBody>
+      </p:sp>
+      <p:sp>
+        <p:nvSpPr>
+          <p:cNvPr id="12" name="TextBox 11">
+            <a:extLst>
+              <a:ext uri="{FF2B5EF4-FFF2-40B4-BE49-F238E27FC236}">
+                <a16:creationId xmlns:a16="http://schemas.microsoft.com/office/drawing/2014/main" id="{44D3A635-60E8-45DB-9810-8682983EC1E1}"/>
+              </a:ext>
+            </a:extLst>
+          </p:cNvPr>
+          <p:cNvSpPr txBox="1"/>
+          <p:nvPr/>
+        </p:nvSpPr>
+        <p:spPr>
+          <a:xfrm>
+            <a:off x="1226190" y="4866294"/>
+            <a:ext cx="7589358" cy="646331"/>
+          </a:xfrm>
+          <a:prstGeom prst="rect">
+            <a:avLst/>
+          </a:prstGeom>
+          <a:noFill/>
+        </p:spPr>
+        <p:txBody>
+          <a:bodyPr wrap="square" rtlCol="0">
+            <a:spAutoFit/>
+          </a:bodyPr>
+          <a:lstStyle/>
+          <a:p>
+            <a:pPr marL="285750" indent="-285750">
+              <a:buClr>
+                <a:schemeClr val="accent1"/>
+              </a:buClr>
+              <a:buFont typeface="Century Gothic" panose="020B0502020202020204" pitchFamily="34" charset="0"/>
+              <a:buChar char="►"/>
+            </a:pPr>
+            <a:r>
+              <a:rPr lang="en-US" dirty="0"/>
+              <a:t>Patient table is our most connected table</a:t>
+            </a:r>
+          </a:p>
+          <a:p>
+            <a:pPr marL="285750" indent="-285750">
+              <a:buClr>
+                <a:schemeClr val="accent1"/>
+              </a:buClr>
+              <a:buFont typeface="Century Gothic" panose="020B0502020202020204" pitchFamily="34" charset="0"/>
+              <a:buChar char="►"/>
+            </a:pPr>
+            <a:r>
+              <a:rPr lang="en-US" dirty="0"/>
+              <a:t>Some additional tables may be added where necessary	</a:t>
+            </a:r>
           </a:p>
         </p:txBody>
       </p:sp>
@@ -7516,7 +8024,7 @@
 </p:sld>
 </file>
 
-<file path=ppt/slides/slide8.xml><?xml version="1.0" encoding="utf-8"?>
+<file path=ppt/slides/slide9.xml><?xml version="1.0" encoding="utf-8"?>
 <p:sld xmlns:a="http://schemas.openxmlformats.org/drawingml/2006/main" xmlns:r="http://schemas.openxmlformats.org/officeDocument/2006/relationships" xmlns:p="http://schemas.openxmlformats.org/presentationml/2006/main">
   <p:cSld>
     <p:bg>
@@ -7667,105 +8175,6 @@
     <p:extLst>
       <p:ext uri="{BB962C8B-B14F-4D97-AF65-F5344CB8AC3E}">
         <p14:creationId xmlns:p14="http://schemas.microsoft.com/office/powerpoint/2010/main" val="1276165063"/>
-      </p:ext>
-    </p:extLst>
-  </p:cSld>
-  <p:clrMapOvr>
-    <a:masterClrMapping/>
-  </p:clrMapOvr>
-</p:sld>
-</file>
-
-<file path=ppt/slides/slide9.xml><?xml version="1.0" encoding="utf-8"?>
-<p:sld xmlns:a="http://schemas.openxmlformats.org/drawingml/2006/main" xmlns:r="http://schemas.openxmlformats.org/officeDocument/2006/relationships" xmlns:p="http://schemas.openxmlformats.org/presentationml/2006/main">
-  <p:cSld>
-    <p:spTree>
-      <p:nvGrpSpPr>
-        <p:cNvPr id="1" name=""/>
-        <p:cNvGrpSpPr/>
-        <p:nvPr/>
-      </p:nvGrpSpPr>
-      <p:grpSpPr>
-        <a:xfrm>
-          <a:off x="0" y="0"/>
-          <a:ext cx="0" cy="0"/>
-          <a:chOff x="0" y="0"/>
-          <a:chExt cx="0" cy="0"/>
-        </a:xfrm>
-      </p:grpSpPr>
-      <p:sp>
-        <p:nvSpPr>
-          <p:cNvPr id="2" name="Title 1">
-            <a:extLst>
-              <a:ext uri="{FF2B5EF4-FFF2-40B4-BE49-F238E27FC236}">
-                <a16:creationId xmlns:a16="http://schemas.microsoft.com/office/drawing/2014/main" id="{8EB890F4-D667-4023-BB8A-D7F0EBFB5A75}"/>
-              </a:ext>
-            </a:extLst>
-          </p:cNvPr>
-          <p:cNvSpPr>
-            <a:spLocks noGrp="1"/>
-          </p:cNvSpPr>
-          <p:nvPr>
-            <p:ph type="title"/>
-          </p:nvPr>
-        </p:nvSpPr>
-        <p:spPr/>
-        <p:txBody>
-          <a:bodyPr/>
-          <a:lstStyle/>
-          <a:p>
-            <a:r>
-              <a:rPr lang="en-US" dirty="0"/>
-              <a:t>Project Suggested Enhancements</a:t>
-            </a:r>
-          </a:p>
-        </p:txBody>
-      </p:sp>
-      <p:sp>
-        <p:nvSpPr>
-          <p:cNvPr id="3" name="Content Placeholder 2">
-            <a:extLst>
-              <a:ext uri="{FF2B5EF4-FFF2-40B4-BE49-F238E27FC236}">
-                <a16:creationId xmlns:a16="http://schemas.microsoft.com/office/drawing/2014/main" id="{DBE1072D-C82D-4553-9741-58640FAD39F8}"/>
-              </a:ext>
-            </a:extLst>
-          </p:cNvPr>
-          <p:cNvSpPr>
-            <a:spLocks noGrp="1"/>
-          </p:cNvSpPr>
-          <p:nvPr>
-            <p:ph idx="1"/>
-          </p:nvPr>
-        </p:nvSpPr>
-        <p:spPr/>
-        <p:txBody>
-          <a:bodyPr/>
-          <a:lstStyle/>
-          <a:p>
-            <a:r>
-              <a:rPr lang="en-US" dirty="0"/>
-              <a:t>Frameworks</a:t>
-            </a:r>
-          </a:p>
-          <a:p>
-            <a:r>
-              <a:rPr lang="en-US" dirty="0"/>
-              <a:t>UI components</a:t>
-            </a:r>
-          </a:p>
-          <a:p>
-            <a:pPr lvl="1"/>
-            <a:r>
-              <a:rPr lang="en-US" dirty="0"/>
-              <a:t>Break down your UI into reusable and manageable chunks</a:t>
-            </a:r>
-          </a:p>
-        </p:txBody>
-      </p:sp>
-    </p:spTree>
-    <p:extLst>
-      <p:ext uri="{BB962C8B-B14F-4D97-AF65-F5344CB8AC3E}">
-        <p14:creationId xmlns:p14="http://schemas.microsoft.com/office/powerpoint/2010/main" val="4101855145"/>
       </p:ext>
     </p:extLst>
   </p:cSld>

--- a/Documentation/BetaPresentation.pptx
+++ b/Documentation/BetaPresentation.pptx
@@ -7633,6 +7633,66 @@
           </a:p>
         </p:txBody>
       </p:sp>
+      <p:pic>
+        <p:nvPicPr>
+          <p:cNvPr id="4" name="Picture 3">
+            <a:extLst>
+              <a:ext uri="{FF2B5EF4-FFF2-40B4-BE49-F238E27FC236}">
+                <a16:creationId xmlns:a16="http://schemas.microsoft.com/office/drawing/2014/main" id="{70067FA0-EB6B-4C18-B95B-5EBECC265B9B}"/>
+              </a:ext>
+            </a:extLst>
+          </p:cNvPr>
+          <p:cNvPicPr>
+            <a:picLocks noChangeAspect="1"/>
+          </p:cNvPicPr>
+          <p:nvPr/>
+        </p:nvPicPr>
+        <p:blipFill>
+          <a:blip r:embed="rId2"/>
+          <a:stretch>
+            <a:fillRect/>
+          </a:stretch>
+        </p:blipFill>
+        <p:spPr>
+          <a:xfrm>
+            <a:off x="5576583" y="1194832"/>
+            <a:ext cx="5512106" cy="2574336"/>
+          </a:xfrm>
+          <a:prstGeom prst="rect">
+            <a:avLst/>
+          </a:prstGeom>
+          <a:solidFill>
+            <a:srgbClr val="FFFFFF">
+              <a:shade val="85000"/>
+            </a:srgbClr>
+          </a:solidFill>
+          <a:ln w="88900" cap="sq">
+            <a:solidFill>
+              <a:srgbClr val="FFFFFF"/>
+            </a:solidFill>
+            <a:miter lim="800000"/>
+          </a:ln>
+          <a:effectLst>
+            <a:outerShdw blurRad="55000" dist="18000" dir="5400000" algn="tl" rotWithShape="0">
+              <a:srgbClr val="000000">
+                <a:alpha val="40000"/>
+              </a:srgbClr>
+            </a:outerShdw>
+          </a:effectLst>
+          <a:scene3d>
+            <a:camera prst="orthographicFront"/>
+            <a:lightRig rig="twoPt" dir="t">
+              <a:rot lat="0" lon="0" rev="7200000"/>
+            </a:lightRig>
+          </a:scene3d>
+          <a:sp3d>
+            <a:bevelT w="25400" h="19050"/>
+            <a:contourClr>
+              <a:srgbClr val="FFFFFF"/>
+            </a:contourClr>
+          </a:sp3d>
+        </p:spPr>
+      </p:pic>
     </p:spTree>
     <p:extLst>
       <p:ext uri="{BB962C8B-B14F-4D97-AF65-F5344CB8AC3E}">

--- a/Documentation/BetaPresentation.pptx
+++ b/Documentation/BetaPresentation.pptx
@@ -6660,6 +6660,17 @@
               <a:t>Frequently updated</a:t>
             </a:r>
           </a:p>
+          <a:p>
+            <a:r>
+              <a:rPr lang="en-US" dirty="0"/>
+              <a:t>While its not the best option out there, Java can be used to build powerful </a:t>
+            </a:r>
+            <a:r>
+              <a:rPr lang="en-US" dirty="0" err="1"/>
+              <a:t>webapps</a:t>
+            </a:r>
+            <a:endParaRPr lang="en-US" dirty="0"/>
+          </a:p>
         </p:txBody>
       </p:sp>
     </p:spTree>
@@ -6744,6 +6755,12 @@
             <a:r>
               <a:rPr lang="en-US" dirty="0"/>
               <a:t>If you want to start a new project see if there is a related framework you can use to help build it</a:t>
+            </a:r>
+          </a:p>
+          <a:p>
+            <a:r>
+              <a:rPr lang="en-US" dirty="0"/>
+              <a:t>A task usually takes longer than you first estimate</a:t>
             </a:r>
           </a:p>
         </p:txBody>
